--- a/ppt/面向对象编程.pptx
+++ b/ppt/面向对象编程.pptx
@@ -5,27 +5,30 @@
     <p:sldMasterId id="2147483648" r:id="rId1"/>
   </p:sldMasterIdLst>
   <p:notesMasterIdLst>
-    <p:notesMasterId r:id="rId16"/>
+    <p:notesMasterId r:id="rId18"/>
   </p:notesMasterIdLst>
   <p:sldIdLst>
-    <p:sldId id="256" r:id="rId3"/>
-    <p:sldId id="258" r:id="rId4"/>
-    <p:sldId id="257" r:id="rId5"/>
-    <p:sldId id="259" r:id="rId6"/>
-    <p:sldId id="260" r:id="rId7"/>
-    <p:sldId id="270" r:id="rId8"/>
-    <p:sldId id="261" r:id="rId9"/>
-    <p:sldId id="262" r:id="rId10"/>
-    <p:sldId id="264" r:id="rId11"/>
-    <p:sldId id="265" r:id="rId12"/>
-    <p:sldId id="267" r:id="rId13"/>
-    <p:sldId id="268" r:id="rId14"/>
-    <p:sldId id="269" r:id="rId15"/>
+    <p:sldId id="256" r:id="rId2"/>
+    <p:sldId id="258" r:id="rId3"/>
+    <p:sldId id="257" r:id="rId4"/>
+    <p:sldId id="259" r:id="rId5"/>
+    <p:sldId id="260" r:id="rId6"/>
+    <p:sldId id="270" r:id="rId7"/>
+    <p:sldId id="261" r:id="rId8"/>
+    <p:sldId id="262" r:id="rId9"/>
+    <p:sldId id="264" r:id="rId10"/>
+    <p:sldId id="265" r:id="rId11"/>
+    <p:sldId id="267" r:id="rId12"/>
+    <p:sldId id="268" r:id="rId13"/>
+    <p:sldId id="269" r:id="rId14"/>
+    <p:sldId id="271" r:id="rId15"/>
+    <p:sldId id="272" r:id="rId16"/>
+    <p:sldId id="273" r:id="rId17"/>
   </p:sldIdLst>
   <p:sldSz cx="12192000" cy="6858000"/>
   <p:notesSz cx="6858000" cy="9144000"/>
   <p:custDataLst>
-    <p:tags r:id="rId20"/>
+    <p:tags r:id="rId19"/>
   </p:custDataLst>
   <p:defaultTextStyle>
     <a:defPPr>
@@ -122,6 +125,11 @@
       </a:defRPr>
     </a:lvl9pPr>
   </p:defaultTextStyle>
+  <p:extLst>
+    <p:ext uri="{EFAFB233-063F-42B5-8137-9DF3F51BA10A}">
+      <p15:sldGuideLst xmlns:p15="http://schemas.microsoft.com/office/powerpoint/2012/main"/>
+    </p:ext>
+  </p:extLst>
 </p:presentation>
 </file>
 
@@ -207,6 +215,7 @@
           <a:p>
             <a:fld id="{9BD5EFFA-D2A1-407B-8F8B-9C06B2CEF3D4}" type="datetimeFigureOut">
               <a:rPr lang="zh-CN" altLang="en-US" smtClean="0"/>
+              <a:t>2024/4/27</a:t>
             </a:fld>
             <a:endParaRPr lang="zh-CN" altLang="en-US"/>
           </a:p>
@@ -273,7 +282,6 @@
               <a:rPr lang="zh-CN" altLang="en-US"/>
               <a:t>单击此处编辑母版文本样式</a:t>
             </a:r>
-            <a:endParaRPr lang="zh-CN" altLang="en-US"/>
           </a:p>
           <a:p>
             <a:pPr lvl="1"/>
@@ -281,7 +289,6 @@
               <a:rPr lang="zh-CN" altLang="en-US"/>
               <a:t>二级</a:t>
             </a:r>
-            <a:endParaRPr lang="zh-CN" altLang="en-US"/>
           </a:p>
           <a:p>
             <a:pPr lvl="2"/>
@@ -289,7 +296,6 @@
               <a:rPr lang="zh-CN" altLang="en-US"/>
               <a:t>三级</a:t>
             </a:r>
-            <a:endParaRPr lang="zh-CN" altLang="en-US"/>
           </a:p>
           <a:p>
             <a:pPr lvl="3"/>
@@ -297,7 +303,6 @@
               <a:rPr lang="zh-CN" altLang="en-US"/>
               <a:t>四级</a:t>
             </a:r>
-            <a:endParaRPr lang="zh-CN" altLang="en-US"/>
           </a:p>
           <a:p>
             <a:pPr lvl="4"/>
@@ -305,7 +310,6 @@
               <a:rPr lang="zh-CN" altLang="en-US"/>
               <a:t>五级</a:t>
             </a:r>
-            <a:endParaRPr lang="zh-CN" altLang="en-US"/>
           </a:p>
         </p:txBody>
       </p:sp>
@@ -369,6 +373,7 @@
           <a:p>
             <a:fld id="{D5D7A9BB-0BDA-4D7C-ACBE-965D57257D2D}" type="slidenum">
               <a:rPr lang="zh-CN" altLang="en-US" smtClean="0"/>
+              <a:t>‹#›</a:t>
             </a:fld>
             <a:endParaRPr lang="zh-CN" altLang="en-US"/>
           </a:p>
@@ -517,7 +522,6 @@
               <a:rPr lang="zh-CN" altLang="en-US"/>
               <a:t>单击此处编辑母版标题样式</a:t>
             </a:r>
-            <a:endParaRPr lang="zh-CN" altLang="en-US"/>
           </a:p>
         </p:txBody>
       </p:sp>
@@ -582,7 +586,6 @@
               <a:rPr lang="zh-CN" altLang="en-US"/>
               <a:t>单击此处编辑母版副标题样式</a:t>
             </a:r>
-            <a:endParaRPr lang="zh-CN" altLang="en-US"/>
           </a:p>
         </p:txBody>
       </p:sp>
@@ -603,6 +606,7 @@
           <a:p>
             <a:fld id="{6C3505B7-EA05-4D3A-813A-6C18D5F0389E}" type="datetimeFigureOut">
               <a:rPr lang="zh-CN" altLang="en-US" smtClean="0"/>
+              <a:t>2024/4/27</a:t>
             </a:fld>
             <a:endParaRPr lang="zh-CN" altLang="en-US"/>
           </a:p>
@@ -644,6 +648,7 @@
           <a:p>
             <a:fld id="{79555919-76A4-48D9-9C7D-A7C17D51C812}" type="slidenum">
               <a:rPr lang="zh-CN" altLang="en-US" smtClean="0"/>
+              <a:t>‹#›</a:t>
             </a:fld>
             <a:endParaRPr lang="zh-CN" altLang="en-US"/>
           </a:p>
@@ -693,7 +698,6 @@
               <a:rPr lang="zh-CN" altLang="en-US"/>
               <a:t>单击此处编辑母版标题样式</a:t>
             </a:r>
-            <a:endParaRPr lang="zh-CN" altLang="en-US"/>
           </a:p>
         </p:txBody>
       </p:sp>
@@ -717,7 +721,6 @@
               <a:rPr lang="zh-CN" altLang="en-US"/>
               <a:t>单击此处编辑母版文本样式</a:t>
             </a:r>
-            <a:endParaRPr lang="zh-CN" altLang="en-US"/>
           </a:p>
           <a:p>
             <a:pPr lvl="1"/>
@@ -725,7 +728,6 @@
               <a:rPr lang="zh-CN" altLang="en-US"/>
               <a:t>二级</a:t>
             </a:r>
-            <a:endParaRPr lang="zh-CN" altLang="en-US"/>
           </a:p>
           <a:p>
             <a:pPr lvl="2"/>
@@ -733,7 +735,6 @@
               <a:rPr lang="zh-CN" altLang="en-US"/>
               <a:t>三级</a:t>
             </a:r>
-            <a:endParaRPr lang="zh-CN" altLang="en-US"/>
           </a:p>
           <a:p>
             <a:pPr lvl="3"/>
@@ -741,7 +742,6 @@
               <a:rPr lang="zh-CN" altLang="en-US"/>
               <a:t>四级</a:t>
             </a:r>
-            <a:endParaRPr lang="zh-CN" altLang="en-US"/>
           </a:p>
           <a:p>
             <a:pPr lvl="4"/>
@@ -749,7 +749,6 @@
               <a:rPr lang="zh-CN" altLang="en-US"/>
               <a:t>五级</a:t>
             </a:r>
-            <a:endParaRPr lang="zh-CN" altLang="en-US"/>
           </a:p>
         </p:txBody>
       </p:sp>
@@ -770,6 +769,7 @@
           <a:p>
             <a:fld id="{6C3505B7-EA05-4D3A-813A-6C18D5F0389E}" type="datetimeFigureOut">
               <a:rPr lang="zh-CN" altLang="en-US" smtClean="0"/>
+              <a:t>2024/4/27</a:t>
             </a:fld>
             <a:endParaRPr lang="zh-CN" altLang="en-US"/>
           </a:p>
@@ -811,6 +811,7 @@
           <a:p>
             <a:fld id="{79555919-76A4-48D9-9C7D-A7C17D51C812}" type="slidenum">
               <a:rPr lang="zh-CN" altLang="en-US" smtClean="0"/>
+              <a:t>‹#›</a:t>
             </a:fld>
             <a:endParaRPr lang="zh-CN" altLang="en-US"/>
           </a:p>
@@ -865,7 +866,6 @@
               <a:rPr lang="zh-CN" altLang="en-US"/>
               <a:t>单击此处编辑母版标题样式</a:t>
             </a:r>
-            <a:endParaRPr lang="zh-CN" altLang="en-US"/>
           </a:p>
         </p:txBody>
       </p:sp>
@@ -894,7 +894,6 @@
               <a:rPr lang="zh-CN" altLang="en-US"/>
               <a:t>单击此处编辑母版文本样式</a:t>
             </a:r>
-            <a:endParaRPr lang="zh-CN" altLang="en-US"/>
           </a:p>
           <a:p>
             <a:pPr lvl="1"/>
@@ -902,7 +901,6 @@
               <a:rPr lang="zh-CN" altLang="en-US"/>
               <a:t>二级</a:t>
             </a:r>
-            <a:endParaRPr lang="zh-CN" altLang="en-US"/>
           </a:p>
           <a:p>
             <a:pPr lvl="2"/>
@@ -910,7 +908,6 @@
               <a:rPr lang="zh-CN" altLang="en-US"/>
               <a:t>三级</a:t>
             </a:r>
-            <a:endParaRPr lang="zh-CN" altLang="en-US"/>
           </a:p>
           <a:p>
             <a:pPr lvl="3"/>
@@ -918,7 +915,6 @@
               <a:rPr lang="zh-CN" altLang="en-US"/>
               <a:t>四级</a:t>
             </a:r>
-            <a:endParaRPr lang="zh-CN" altLang="en-US"/>
           </a:p>
           <a:p>
             <a:pPr lvl="4"/>
@@ -926,7 +922,6 @@
               <a:rPr lang="zh-CN" altLang="en-US"/>
               <a:t>五级</a:t>
             </a:r>
-            <a:endParaRPr lang="zh-CN" altLang="en-US"/>
           </a:p>
         </p:txBody>
       </p:sp>
@@ -947,6 +942,7 @@
           <a:p>
             <a:fld id="{6C3505B7-EA05-4D3A-813A-6C18D5F0389E}" type="datetimeFigureOut">
               <a:rPr lang="zh-CN" altLang="en-US" smtClean="0"/>
+              <a:t>2024/4/27</a:t>
             </a:fld>
             <a:endParaRPr lang="zh-CN" altLang="en-US"/>
           </a:p>
@@ -988,6 +984,7 @@
           <a:p>
             <a:fld id="{79555919-76A4-48D9-9C7D-A7C17D51C812}" type="slidenum">
               <a:rPr lang="zh-CN" altLang="en-US" smtClean="0"/>
+              <a:t>‹#›</a:t>
             </a:fld>
             <a:endParaRPr lang="zh-CN" altLang="en-US"/>
           </a:p>
@@ -1037,7 +1034,6 @@
               <a:rPr lang="zh-CN" altLang="en-US"/>
               <a:t>单击此处编辑母版标题样式</a:t>
             </a:r>
-            <a:endParaRPr lang="zh-CN" altLang="en-US"/>
           </a:p>
         </p:txBody>
       </p:sp>
@@ -1061,7 +1057,6 @@
               <a:rPr lang="zh-CN" altLang="en-US"/>
               <a:t>单击此处编辑母版文本样式</a:t>
             </a:r>
-            <a:endParaRPr lang="zh-CN" altLang="en-US"/>
           </a:p>
           <a:p>
             <a:pPr lvl="1"/>
@@ -1069,7 +1064,6 @@
               <a:rPr lang="zh-CN" altLang="en-US"/>
               <a:t>二级</a:t>
             </a:r>
-            <a:endParaRPr lang="zh-CN" altLang="en-US"/>
           </a:p>
           <a:p>
             <a:pPr lvl="2"/>
@@ -1077,7 +1071,6 @@
               <a:rPr lang="zh-CN" altLang="en-US"/>
               <a:t>三级</a:t>
             </a:r>
-            <a:endParaRPr lang="zh-CN" altLang="en-US"/>
           </a:p>
           <a:p>
             <a:pPr lvl="3"/>
@@ -1085,7 +1078,6 @@
               <a:rPr lang="zh-CN" altLang="en-US"/>
               <a:t>四级</a:t>
             </a:r>
-            <a:endParaRPr lang="zh-CN" altLang="en-US"/>
           </a:p>
           <a:p>
             <a:pPr lvl="4"/>
@@ -1093,7 +1085,6 @@
               <a:rPr lang="zh-CN" altLang="en-US"/>
               <a:t>五级</a:t>
             </a:r>
-            <a:endParaRPr lang="zh-CN" altLang="en-US"/>
           </a:p>
         </p:txBody>
       </p:sp>
@@ -1114,6 +1105,7 @@
           <a:p>
             <a:fld id="{6C3505B7-EA05-4D3A-813A-6C18D5F0389E}" type="datetimeFigureOut">
               <a:rPr lang="zh-CN" altLang="en-US" smtClean="0"/>
+              <a:t>2024/4/27</a:t>
             </a:fld>
             <a:endParaRPr lang="zh-CN" altLang="en-US"/>
           </a:p>
@@ -1155,6 +1147,7 @@
           <a:p>
             <a:fld id="{79555919-76A4-48D9-9C7D-A7C17D51C812}" type="slidenum">
               <a:rPr lang="zh-CN" altLang="en-US" smtClean="0"/>
+              <a:t>‹#›</a:t>
             </a:fld>
             <a:endParaRPr lang="zh-CN" altLang="en-US"/>
           </a:p>
@@ -1213,7 +1206,6 @@
               <a:rPr lang="zh-CN" altLang="en-US"/>
               <a:t>单击此处编辑母版标题样式</a:t>
             </a:r>
-            <a:endParaRPr lang="zh-CN" altLang="en-US"/>
           </a:p>
         </p:txBody>
       </p:sp>
@@ -1333,7 +1325,6 @@
               <a:rPr lang="zh-CN" altLang="en-US"/>
               <a:t>单击此处编辑母版文本样式</a:t>
             </a:r>
-            <a:endParaRPr lang="zh-CN" altLang="en-US"/>
           </a:p>
         </p:txBody>
       </p:sp>
@@ -1354,6 +1345,7 @@
           <a:p>
             <a:fld id="{6C3505B7-EA05-4D3A-813A-6C18D5F0389E}" type="datetimeFigureOut">
               <a:rPr lang="zh-CN" altLang="en-US" smtClean="0"/>
+              <a:t>2024/4/27</a:t>
             </a:fld>
             <a:endParaRPr lang="zh-CN" altLang="en-US"/>
           </a:p>
@@ -1395,6 +1387,7 @@
           <a:p>
             <a:fld id="{79555919-76A4-48D9-9C7D-A7C17D51C812}" type="slidenum">
               <a:rPr lang="zh-CN" altLang="en-US" smtClean="0"/>
+              <a:t>‹#›</a:t>
             </a:fld>
             <a:endParaRPr lang="zh-CN" altLang="en-US"/>
           </a:p>
@@ -1444,7 +1437,6 @@
               <a:rPr lang="zh-CN" altLang="en-US"/>
               <a:t>单击此处编辑母版标题样式</a:t>
             </a:r>
-            <a:endParaRPr lang="zh-CN" altLang="en-US"/>
           </a:p>
         </p:txBody>
       </p:sp>
@@ -1473,7 +1465,6 @@
               <a:rPr lang="zh-CN" altLang="en-US"/>
               <a:t>单击此处编辑母版文本样式</a:t>
             </a:r>
-            <a:endParaRPr lang="zh-CN" altLang="en-US"/>
           </a:p>
           <a:p>
             <a:pPr lvl="1"/>
@@ -1481,7 +1472,6 @@
               <a:rPr lang="zh-CN" altLang="en-US"/>
               <a:t>二级</a:t>
             </a:r>
-            <a:endParaRPr lang="zh-CN" altLang="en-US"/>
           </a:p>
           <a:p>
             <a:pPr lvl="2"/>
@@ -1489,7 +1479,6 @@
               <a:rPr lang="zh-CN" altLang="en-US"/>
               <a:t>三级</a:t>
             </a:r>
-            <a:endParaRPr lang="zh-CN" altLang="en-US"/>
           </a:p>
           <a:p>
             <a:pPr lvl="3"/>
@@ -1497,7 +1486,6 @@
               <a:rPr lang="zh-CN" altLang="en-US"/>
               <a:t>四级</a:t>
             </a:r>
-            <a:endParaRPr lang="zh-CN" altLang="en-US"/>
           </a:p>
           <a:p>
             <a:pPr lvl="4"/>
@@ -1505,7 +1493,6 @@
               <a:rPr lang="zh-CN" altLang="en-US"/>
               <a:t>五级</a:t>
             </a:r>
-            <a:endParaRPr lang="zh-CN" altLang="en-US"/>
           </a:p>
         </p:txBody>
       </p:sp>
@@ -1534,7 +1521,6 @@
               <a:rPr lang="zh-CN" altLang="en-US"/>
               <a:t>单击此处编辑母版文本样式</a:t>
             </a:r>
-            <a:endParaRPr lang="zh-CN" altLang="en-US"/>
           </a:p>
           <a:p>
             <a:pPr lvl="1"/>
@@ -1542,7 +1528,6 @@
               <a:rPr lang="zh-CN" altLang="en-US"/>
               <a:t>二级</a:t>
             </a:r>
-            <a:endParaRPr lang="zh-CN" altLang="en-US"/>
           </a:p>
           <a:p>
             <a:pPr lvl="2"/>
@@ -1550,7 +1535,6 @@
               <a:rPr lang="zh-CN" altLang="en-US"/>
               <a:t>三级</a:t>
             </a:r>
-            <a:endParaRPr lang="zh-CN" altLang="en-US"/>
           </a:p>
           <a:p>
             <a:pPr lvl="3"/>
@@ -1558,7 +1542,6 @@
               <a:rPr lang="zh-CN" altLang="en-US"/>
               <a:t>四级</a:t>
             </a:r>
-            <a:endParaRPr lang="zh-CN" altLang="en-US"/>
           </a:p>
           <a:p>
             <a:pPr lvl="4"/>
@@ -1566,7 +1549,6 @@
               <a:rPr lang="zh-CN" altLang="en-US"/>
               <a:t>五级</a:t>
             </a:r>
-            <a:endParaRPr lang="zh-CN" altLang="en-US"/>
           </a:p>
         </p:txBody>
       </p:sp>
@@ -1587,6 +1569,7 @@
           <a:p>
             <a:fld id="{6C3505B7-EA05-4D3A-813A-6C18D5F0389E}" type="datetimeFigureOut">
               <a:rPr lang="zh-CN" altLang="en-US" smtClean="0"/>
+              <a:t>2024/4/27</a:t>
             </a:fld>
             <a:endParaRPr lang="zh-CN" altLang="en-US"/>
           </a:p>
@@ -1628,6 +1611,7 @@
           <a:p>
             <a:fld id="{79555919-76A4-48D9-9C7D-A7C17D51C812}" type="slidenum">
               <a:rPr lang="zh-CN" altLang="en-US" smtClean="0"/>
+              <a:t>‹#›</a:t>
             </a:fld>
             <a:endParaRPr lang="zh-CN" altLang="en-US"/>
           </a:p>
@@ -1682,7 +1666,6 @@
               <a:rPr lang="zh-CN" altLang="en-US"/>
               <a:t>单击此处编辑母版标题样式</a:t>
             </a:r>
-            <a:endParaRPr lang="zh-CN" altLang="en-US"/>
           </a:p>
         </p:txBody>
       </p:sp>
@@ -1748,7 +1731,6 @@
               <a:rPr lang="zh-CN" altLang="en-US"/>
               <a:t>单击此处编辑母版文本样式</a:t>
             </a:r>
-            <a:endParaRPr lang="zh-CN" altLang="en-US"/>
           </a:p>
         </p:txBody>
       </p:sp>
@@ -1777,7 +1759,6 @@
               <a:rPr lang="zh-CN" altLang="en-US"/>
               <a:t>单击此处编辑母版文本样式</a:t>
             </a:r>
-            <a:endParaRPr lang="zh-CN" altLang="en-US"/>
           </a:p>
           <a:p>
             <a:pPr lvl="1"/>
@@ -1785,7 +1766,6 @@
               <a:rPr lang="zh-CN" altLang="en-US"/>
               <a:t>二级</a:t>
             </a:r>
-            <a:endParaRPr lang="zh-CN" altLang="en-US"/>
           </a:p>
           <a:p>
             <a:pPr lvl="2"/>
@@ -1793,7 +1773,6 @@
               <a:rPr lang="zh-CN" altLang="en-US"/>
               <a:t>三级</a:t>
             </a:r>
-            <a:endParaRPr lang="zh-CN" altLang="en-US"/>
           </a:p>
           <a:p>
             <a:pPr lvl="3"/>
@@ -1801,7 +1780,6 @@
               <a:rPr lang="zh-CN" altLang="en-US"/>
               <a:t>四级</a:t>
             </a:r>
-            <a:endParaRPr lang="zh-CN" altLang="en-US"/>
           </a:p>
           <a:p>
             <a:pPr lvl="4"/>
@@ -1809,7 +1787,6 @@
               <a:rPr lang="zh-CN" altLang="en-US"/>
               <a:t>五级</a:t>
             </a:r>
-            <a:endParaRPr lang="zh-CN" altLang="en-US"/>
           </a:p>
         </p:txBody>
       </p:sp>
@@ -1875,7 +1852,6 @@
               <a:rPr lang="zh-CN" altLang="en-US"/>
               <a:t>单击此处编辑母版文本样式</a:t>
             </a:r>
-            <a:endParaRPr lang="zh-CN" altLang="en-US"/>
           </a:p>
         </p:txBody>
       </p:sp>
@@ -1904,7 +1880,6 @@
               <a:rPr lang="zh-CN" altLang="en-US"/>
               <a:t>单击此处编辑母版文本样式</a:t>
             </a:r>
-            <a:endParaRPr lang="zh-CN" altLang="en-US"/>
           </a:p>
           <a:p>
             <a:pPr lvl="1"/>
@@ -1912,7 +1887,6 @@
               <a:rPr lang="zh-CN" altLang="en-US"/>
               <a:t>二级</a:t>
             </a:r>
-            <a:endParaRPr lang="zh-CN" altLang="en-US"/>
           </a:p>
           <a:p>
             <a:pPr lvl="2"/>
@@ -1920,7 +1894,6 @@
               <a:rPr lang="zh-CN" altLang="en-US"/>
               <a:t>三级</a:t>
             </a:r>
-            <a:endParaRPr lang="zh-CN" altLang="en-US"/>
           </a:p>
           <a:p>
             <a:pPr lvl="3"/>
@@ -1928,7 +1901,6 @@
               <a:rPr lang="zh-CN" altLang="en-US"/>
               <a:t>四级</a:t>
             </a:r>
-            <a:endParaRPr lang="zh-CN" altLang="en-US"/>
           </a:p>
           <a:p>
             <a:pPr lvl="4"/>
@@ -1936,7 +1908,6 @@
               <a:rPr lang="zh-CN" altLang="en-US"/>
               <a:t>五级</a:t>
             </a:r>
-            <a:endParaRPr lang="zh-CN" altLang="en-US"/>
           </a:p>
         </p:txBody>
       </p:sp>
@@ -1957,6 +1928,7 @@
           <a:p>
             <a:fld id="{6C3505B7-EA05-4D3A-813A-6C18D5F0389E}" type="datetimeFigureOut">
               <a:rPr lang="zh-CN" altLang="en-US" smtClean="0"/>
+              <a:t>2024/4/27</a:t>
             </a:fld>
             <a:endParaRPr lang="zh-CN" altLang="en-US"/>
           </a:p>
@@ -1998,6 +1970,7 @@
           <a:p>
             <a:fld id="{79555919-76A4-48D9-9C7D-A7C17D51C812}" type="slidenum">
               <a:rPr lang="zh-CN" altLang="en-US" smtClean="0"/>
+              <a:t>‹#›</a:t>
             </a:fld>
             <a:endParaRPr lang="zh-CN" altLang="en-US"/>
           </a:p>
@@ -2047,7 +2020,6 @@
               <a:rPr lang="zh-CN" altLang="en-US"/>
               <a:t>单击此处编辑母版标题样式</a:t>
             </a:r>
-            <a:endParaRPr lang="zh-CN" altLang="en-US"/>
           </a:p>
         </p:txBody>
       </p:sp>
@@ -2068,6 +2040,7 @@
           <a:p>
             <a:fld id="{6C3505B7-EA05-4D3A-813A-6C18D5F0389E}" type="datetimeFigureOut">
               <a:rPr lang="zh-CN" altLang="en-US" smtClean="0"/>
+              <a:t>2024/4/27</a:t>
             </a:fld>
             <a:endParaRPr lang="zh-CN" altLang="en-US"/>
           </a:p>
@@ -2109,6 +2082,7 @@
           <a:p>
             <a:fld id="{79555919-76A4-48D9-9C7D-A7C17D51C812}" type="slidenum">
               <a:rPr lang="zh-CN" altLang="en-US" smtClean="0"/>
+              <a:t>‹#›</a:t>
             </a:fld>
             <a:endParaRPr lang="zh-CN" altLang="en-US"/>
           </a:p>
@@ -2156,6 +2130,7 @@
           <a:p>
             <a:fld id="{6C3505B7-EA05-4D3A-813A-6C18D5F0389E}" type="datetimeFigureOut">
               <a:rPr lang="zh-CN" altLang="en-US" smtClean="0"/>
+              <a:t>2024/4/27</a:t>
             </a:fld>
             <a:endParaRPr lang="zh-CN" altLang="en-US"/>
           </a:p>
@@ -2197,6 +2172,7 @@
           <a:p>
             <a:fld id="{79555919-76A4-48D9-9C7D-A7C17D51C812}" type="slidenum">
               <a:rPr lang="zh-CN" altLang="en-US" smtClean="0"/>
+              <a:t>‹#›</a:t>
             </a:fld>
             <a:endParaRPr lang="zh-CN" altLang="en-US"/>
           </a:p>
@@ -2255,7 +2231,6 @@
               <a:rPr lang="zh-CN" altLang="en-US"/>
               <a:t>单击此处编辑母版标题样式</a:t>
             </a:r>
-            <a:endParaRPr lang="zh-CN" altLang="en-US"/>
           </a:p>
         </p:txBody>
       </p:sp>
@@ -2312,7 +2287,6 @@
               <a:rPr lang="zh-CN" altLang="en-US"/>
               <a:t>单击此处编辑母版文本样式</a:t>
             </a:r>
-            <a:endParaRPr lang="zh-CN" altLang="en-US"/>
           </a:p>
           <a:p>
             <a:pPr lvl="1"/>
@@ -2320,7 +2294,6 @@
               <a:rPr lang="zh-CN" altLang="en-US"/>
               <a:t>二级</a:t>
             </a:r>
-            <a:endParaRPr lang="zh-CN" altLang="en-US"/>
           </a:p>
           <a:p>
             <a:pPr lvl="2"/>
@@ -2328,7 +2301,6 @@
               <a:rPr lang="zh-CN" altLang="en-US"/>
               <a:t>三级</a:t>
             </a:r>
-            <a:endParaRPr lang="zh-CN" altLang="en-US"/>
           </a:p>
           <a:p>
             <a:pPr lvl="3"/>
@@ -2336,7 +2308,6 @@
               <a:rPr lang="zh-CN" altLang="en-US"/>
               <a:t>四级</a:t>
             </a:r>
-            <a:endParaRPr lang="zh-CN" altLang="en-US"/>
           </a:p>
           <a:p>
             <a:pPr lvl="4"/>
@@ -2344,7 +2315,6 @@
               <a:rPr lang="zh-CN" altLang="en-US"/>
               <a:t>五级</a:t>
             </a:r>
-            <a:endParaRPr lang="zh-CN" altLang="en-US"/>
           </a:p>
         </p:txBody>
       </p:sp>
@@ -2410,7 +2380,6 @@
               <a:rPr lang="zh-CN" altLang="en-US"/>
               <a:t>单击此处编辑母版文本样式</a:t>
             </a:r>
-            <a:endParaRPr lang="zh-CN" altLang="en-US"/>
           </a:p>
         </p:txBody>
       </p:sp>
@@ -2431,6 +2400,7 @@
           <a:p>
             <a:fld id="{6C3505B7-EA05-4D3A-813A-6C18D5F0389E}" type="datetimeFigureOut">
               <a:rPr lang="zh-CN" altLang="en-US" smtClean="0"/>
+              <a:t>2024/4/27</a:t>
             </a:fld>
             <a:endParaRPr lang="zh-CN" altLang="en-US"/>
           </a:p>
@@ -2472,6 +2442,7 @@
           <a:p>
             <a:fld id="{79555919-76A4-48D9-9C7D-A7C17D51C812}" type="slidenum">
               <a:rPr lang="zh-CN" altLang="en-US" smtClean="0"/>
+              <a:t>‹#›</a:t>
             </a:fld>
             <a:endParaRPr lang="zh-CN" altLang="en-US"/>
           </a:p>
@@ -2530,7 +2501,6 @@
               <a:rPr lang="zh-CN" altLang="en-US"/>
               <a:t>单击此处编辑母版标题样式</a:t>
             </a:r>
-            <a:endParaRPr lang="zh-CN" altLang="en-US"/>
           </a:p>
         </p:txBody>
       </p:sp>
@@ -2657,7 +2627,6 @@
               <a:rPr lang="zh-CN" altLang="en-US"/>
               <a:t>单击此处编辑母版文本样式</a:t>
             </a:r>
-            <a:endParaRPr lang="zh-CN" altLang="en-US"/>
           </a:p>
         </p:txBody>
       </p:sp>
@@ -2678,6 +2647,7 @@
           <a:p>
             <a:fld id="{6C3505B7-EA05-4D3A-813A-6C18D5F0389E}" type="datetimeFigureOut">
               <a:rPr lang="zh-CN" altLang="en-US" smtClean="0"/>
+              <a:t>2024/4/27</a:t>
             </a:fld>
             <a:endParaRPr lang="zh-CN" altLang="en-US"/>
           </a:p>
@@ -2719,6 +2689,7 @@
           <a:p>
             <a:fld id="{79555919-76A4-48D9-9C7D-A7C17D51C812}" type="slidenum">
               <a:rPr lang="zh-CN" altLang="en-US" smtClean="0"/>
+              <a:t>‹#›</a:t>
             </a:fld>
             <a:endParaRPr lang="zh-CN" altLang="en-US"/>
           </a:p>
@@ -2783,7 +2754,6 @@
               <a:rPr lang="zh-CN" altLang="en-US"/>
               <a:t>单击此处编辑母版标题样式</a:t>
             </a:r>
-            <a:endParaRPr lang="zh-CN" altLang="en-US"/>
           </a:p>
         </p:txBody>
       </p:sp>
@@ -2817,7 +2787,6 @@
               <a:rPr lang="zh-CN" altLang="en-US"/>
               <a:t>单击此处编辑母版文本样式</a:t>
             </a:r>
-            <a:endParaRPr lang="zh-CN" altLang="en-US"/>
           </a:p>
           <a:p>
             <a:pPr lvl="1"/>
@@ -2825,7 +2794,6 @@
               <a:rPr lang="zh-CN" altLang="en-US"/>
               <a:t>二级</a:t>
             </a:r>
-            <a:endParaRPr lang="zh-CN" altLang="en-US"/>
           </a:p>
           <a:p>
             <a:pPr lvl="2"/>
@@ -2833,7 +2801,6 @@
               <a:rPr lang="zh-CN" altLang="en-US"/>
               <a:t>三级</a:t>
             </a:r>
-            <a:endParaRPr lang="zh-CN" altLang="en-US"/>
           </a:p>
           <a:p>
             <a:pPr lvl="3"/>
@@ -2841,7 +2808,6 @@
               <a:rPr lang="zh-CN" altLang="en-US"/>
               <a:t>四级</a:t>
             </a:r>
-            <a:endParaRPr lang="zh-CN" altLang="en-US"/>
           </a:p>
           <a:p>
             <a:pPr lvl="4"/>
@@ -2849,7 +2815,6 @@
               <a:rPr lang="zh-CN" altLang="en-US"/>
               <a:t>五级</a:t>
             </a:r>
-            <a:endParaRPr lang="zh-CN" altLang="en-US"/>
           </a:p>
         </p:txBody>
       </p:sp>
@@ -2888,6 +2853,7 @@
           <a:p>
             <a:fld id="{6C3505B7-EA05-4D3A-813A-6C18D5F0389E}" type="datetimeFigureOut">
               <a:rPr lang="zh-CN" altLang="en-US" smtClean="0"/>
+              <a:t>2024/4/27</a:t>
             </a:fld>
             <a:endParaRPr lang="zh-CN" altLang="en-US"/>
           </a:p>
@@ -2965,6 +2931,7 @@
           <a:p>
             <a:fld id="{79555919-76A4-48D9-9C7D-A7C17D51C812}" type="slidenum">
               <a:rPr lang="zh-CN" altLang="en-US" smtClean="0"/>
+              <a:t>‹#›</a:t>
             </a:fld>
             <a:endParaRPr lang="zh-CN" altLang="en-US"/>
           </a:p>
@@ -3382,13 +3349,6 @@
               </a:rPr>
               <a:t>面向对象编程</a:t>
             </a:r>
-            <a:endParaRPr lang="zh-CN" altLang="en-US" b="1" dirty="0">
-              <a:solidFill>
-                <a:schemeClr val="tx2">
-                  <a:lumMod val="50000"/>
-                </a:schemeClr>
-              </a:solidFill>
-            </a:endParaRPr>
           </a:p>
         </p:txBody>
       </p:sp>
@@ -3397,8 +3357,8 @@
   <p:clrMapOvr>
     <a:masterClrMapping/>
   </p:clrMapOvr>
-  <mc:AlternateContent xmlns:mc="http://schemas.openxmlformats.org/markup-compatibility/2006" xmlns:p159="http://schemas.microsoft.com/office/powerpoint/2015/09/main">
-    <mc:Choice Requires="p159">
+  <mc:AlternateContent xmlns:mc="http://schemas.openxmlformats.org/markup-compatibility/2006">
+    <mc:Choice xmlns:p159="http://schemas.microsoft.com/office/powerpoint/2015/09/main" Requires="p159">
       <p:transition xmlns:p14="http://schemas.microsoft.com/office/powerpoint/2010/main" spd="slow" p14:dur="2000">
         <p159:morph option="byObject"/>
       </p:transition>
@@ -3438,7 +3398,7 @@
           <p:nvPr/>
         </p:nvPicPr>
         <p:blipFill>
-          <a:blip r:embed="rId1">
+          <a:blip r:embed="rId2">
             <a:clrChange>
               <a:clrFrom>
                 <a:srgbClr val="FFFFFF"/>
@@ -3473,7 +3433,7 @@
           <p:nvPr/>
         </p:nvPicPr>
         <p:blipFill>
-          <a:blip r:embed="rId2"/>
+          <a:blip r:embed="rId3"/>
           <a:stretch>
             <a:fillRect/>
           </a:stretch>
@@ -3497,11 +3457,11 @@
           <p:nvPr/>
         </p:nvPicPr>
         <p:blipFill>
-          <a:blip r:embed="rId3">
+          <a:blip r:embed="rId4">
             <a:extLst>
               <a:ext uri="{BEBA8EAE-BF5A-486C-A8C5-ECC9F3942E4B}">
                 <a14:imgProps xmlns:a14="http://schemas.microsoft.com/office/drawing/2010/main">
-                  <a14:imgLayer r:embed="rId4">
+                  <a14:imgLayer r:embed="rId5">
                     <a14:imgEffect>
                       <a14:backgroundRemoval t="10000" b="90000" l="10000" r="90000"/>
                     </a14:imgEffect>
@@ -3624,7 +3584,6 @@
               <a:rPr lang="zh-CN" altLang="en-US" dirty="0"/>
               <a:t>）</a:t>
             </a:r>
-            <a:endParaRPr lang="zh-CN" altLang="en-US" dirty="0"/>
           </a:p>
         </p:txBody>
       </p:sp>
@@ -3662,7 +3621,6 @@
               <a:rPr lang="zh-CN" altLang="en-US" dirty="0"/>
               <a:t>）</a:t>
             </a:r>
-            <a:endParaRPr lang="zh-CN" altLang="en-US" dirty="0"/>
           </a:p>
         </p:txBody>
       </p:sp>
@@ -3729,19 +3687,6 @@
               </a:rPr>
               <a:t>踩电门</a:t>
             </a:r>
-            <a:endParaRPr lang="zh-CN" altLang="en-US" sz="4000" dirty="0">
-              <a:ln w="0"/>
-              <a:solidFill>
-                <a:schemeClr val="accent1"/>
-              </a:solidFill>
-              <a:effectLst>
-                <a:outerShdw blurRad="38100" dist="25400" dir="5400000" algn="ctr" rotWithShape="0">
-                  <a:srgbClr val="6E747A">
-                    <a:alpha val="43000"/>
-                  </a:srgbClr>
-                </a:outerShdw>
-              </a:effectLst>
-            </a:endParaRPr>
           </a:p>
         </p:txBody>
       </p:sp>
@@ -3811,22 +3756,6 @@
               </a:rPr>
               <a:t>踩刹车</a:t>
             </a:r>
-            <a:endParaRPr lang="zh-CN" altLang="en-US" sz="4000" b="1" dirty="0">
-              <a:ln w="6600">
-                <a:solidFill>
-                  <a:schemeClr val="accent2"/>
-                </a:solidFill>
-                <a:prstDash val="solid"/>
-              </a:ln>
-              <a:solidFill>
-                <a:srgbClr val="FFFFFF"/>
-              </a:solidFill>
-              <a:effectLst>
-                <a:outerShdw dist="38100" dir="2700000" algn="tl" rotWithShape="0">
-                  <a:schemeClr val="accent2"/>
-                </a:outerShdw>
-              </a:effectLst>
-            </a:endParaRPr>
           </a:p>
         </p:txBody>
       </p:sp>
@@ -3896,22 +3825,6 @@
               </a:rPr>
               <a:t>打转向</a:t>
             </a:r>
-            <a:endParaRPr lang="zh-CN" altLang="en-US" sz="4000" b="1" dirty="0">
-              <a:ln w="6600">
-                <a:solidFill>
-                  <a:schemeClr val="accent2"/>
-                </a:solidFill>
-                <a:prstDash val="solid"/>
-              </a:ln>
-              <a:solidFill>
-                <a:srgbClr val="FFFFFF"/>
-              </a:solidFill>
-              <a:effectLst>
-                <a:outerShdw dist="38100" dir="2700000" algn="tl" rotWithShape="0">
-                  <a:schemeClr val="accent2"/>
-                </a:outerShdw>
-              </a:effectLst>
-            </a:endParaRPr>
           </a:p>
         </p:txBody>
       </p:sp>
@@ -4019,22 +3932,6 @@
               </a:rPr>
               <a:t>个</a:t>
             </a:r>
-            <a:endParaRPr lang="zh-CN" altLang="en-US" sz="3200" b="1" dirty="0">
-              <a:ln w="6600">
-                <a:solidFill>
-                  <a:schemeClr val="accent2"/>
-                </a:solidFill>
-                <a:prstDash val="solid"/>
-              </a:ln>
-              <a:solidFill>
-                <a:srgbClr val="FFFFFF"/>
-              </a:solidFill>
-              <a:effectLst>
-                <a:outerShdw dist="38100" dir="2700000" algn="tl" rotWithShape="0">
-                  <a:schemeClr val="accent2"/>
-                </a:outerShdw>
-              </a:effectLst>
-            </a:endParaRPr>
           </a:p>
         </p:txBody>
       </p:sp>
@@ -4142,22 +4039,6 @@
               </a:rPr>
               <a:t>码</a:t>
             </a:r>
-            <a:endParaRPr lang="zh-CN" altLang="en-US" sz="3200" b="1" dirty="0">
-              <a:ln w="6600">
-                <a:solidFill>
-                  <a:schemeClr val="accent2"/>
-                </a:solidFill>
-                <a:prstDash val="solid"/>
-              </a:ln>
-              <a:solidFill>
-                <a:srgbClr val="FFFFFF"/>
-              </a:solidFill>
-              <a:effectLst>
-                <a:outerShdw dist="38100" dir="2700000" algn="tl" rotWithShape="0">
-                  <a:schemeClr val="accent2"/>
-                </a:outerShdw>
-              </a:effectLst>
-            </a:endParaRPr>
           </a:p>
         </p:txBody>
       </p:sp>
@@ -4265,22 +4146,6 @@
               </a:rPr>
               <a:t>℃</a:t>
             </a:r>
-            <a:endParaRPr lang="zh-CN" altLang="en-US" sz="3200" b="1" dirty="0">
-              <a:ln w="6600">
-                <a:solidFill>
-                  <a:schemeClr val="accent2"/>
-                </a:solidFill>
-                <a:prstDash val="solid"/>
-              </a:ln>
-              <a:solidFill>
-                <a:srgbClr val="FFFFFF"/>
-              </a:solidFill>
-              <a:effectLst>
-                <a:outerShdw dist="38100" dir="2700000" algn="tl" rotWithShape="0">
-                  <a:schemeClr val="accent2"/>
-                </a:outerShdw>
-              </a:effectLst>
-            </a:endParaRPr>
           </a:p>
         </p:txBody>
       </p:sp>
@@ -4347,19 +4212,6 @@
               </a:rPr>
               <a:t>踩油门</a:t>
             </a:r>
-            <a:endParaRPr lang="zh-CN" altLang="en-US" sz="4000" dirty="0">
-              <a:ln w="0"/>
-              <a:solidFill>
-                <a:schemeClr val="accent1"/>
-              </a:solidFill>
-              <a:effectLst>
-                <a:outerShdw blurRad="38100" dist="25400" dir="5400000" algn="ctr" rotWithShape="0">
-                  <a:srgbClr val="6E747A">
-                    <a:alpha val="43000"/>
-                  </a:srgbClr>
-                </a:outerShdw>
-              </a:effectLst>
-            </a:endParaRPr>
           </a:p>
         </p:txBody>
       </p:sp>
@@ -4402,8 +4254,8 @@
   <p:clrMapOvr>
     <a:masterClrMapping/>
   </p:clrMapOvr>
-  <mc:AlternateContent xmlns:mc="http://schemas.openxmlformats.org/markup-compatibility/2006" xmlns:p159="http://schemas.microsoft.com/office/powerpoint/2015/09/main">
-    <mc:Choice Requires="p159">
+  <mc:AlternateContent xmlns:mc="http://schemas.openxmlformats.org/markup-compatibility/2006">
+    <mc:Choice xmlns:p159="http://schemas.microsoft.com/office/powerpoint/2015/09/main" Requires="p159">
       <p:transition xmlns:p14="http://schemas.microsoft.com/office/powerpoint/2010/main" spd="slow" p14:dur="2000">
         <p159:morph option="byObject"/>
       </p:transition>
@@ -4443,7 +4295,7 @@
           <p:nvPr/>
         </p:nvPicPr>
         <p:blipFill>
-          <a:blip r:embed="rId1">
+          <a:blip r:embed="rId2">
             <a:clrChange>
               <a:clrFrom>
                 <a:srgbClr val="FFFFFF"/>
@@ -4478,7 +4330,7 @@
           <p:nvPr/>
         </p:nvPicPr>
         <p:blipFill>
-          <a:blip r:embed="rId2"/>
+          <a:blip r:embed="rId3"/>
           <a:stretch>
             <a:fillRect/>
           </a:stretch>
@@ -4502,11 +4354,11 @@
           <p:nvPr/>
         </p:nvPicPr>
         <p:blipFill>
-          <a:blip r:embed="rId3">
+          <a:blip r:embed="rId4">
             <a:extLst>
               <a:ext uri="{BEBA8EAE-BF5A-486C-A8C5-ECC9F3942E4B}">
                 <a14:imgProps xmlns:a14="http://schemas.microsoft.com/office/drawing/2010/main">
-                  <a14:imgLayer r:embed="rId4">
+                  <a14:imgLayer r:embed="rId5">
                     <a14:imgEffect>
                       <a14:backgroundRemoval t="10000" b="90000" l="10000" r="90000"/>
                     </a14:imgEffect>
@@ -4629,7 +4481,6 @@
               <a:rPr lang="zh-CN" altLang="en-US" dirty="0"/>
               <a:t>）</a:t>
             </a:r>
-            <a:endParaRPr lang="zh-CN" altLang="en-US" dirty="0"/>
           </a:p>
         </p:txBody>
       </p:sp>
@@ -4667,7 +4518,6 @@
               <a:rPr lang="zh-CN" altLang="en-US" dirty="0"/>
               <a:t>）</a:t>
             </a:r>
-            <a:endParaRPr lang="zh-CN" altLang="en-US" dirty="0"/>
           </a:p>
         </p:txBody>
       </p:sp>
@@ -4734,19 +4584,6 @@
               </a:rPr>
               <a:t>踩电门</a:t>
             </a:r>
-            <a:endParaRPr lang="zh-CN" altLang="en-US" sz="4000" dirty="0">
-              <a:ln w="0"/>
-              <a:solidFill>
-                <a:schemeClr val="accent1"/>
-              </a:solidFill>
-              <a:effectLst>
-                <a:outerShdw blurRad="38100" dist="25400" dir="5400000" algn="ctr" rotWithShape="0">
-                  <a:srgbClr val="6E747A">
-                    <a:alpha val="43000"/>
-                  </a:srgbClr>
-                </a:outerShdw>
-              </a:effectLst>
-            </a:endParaRPr>
           </a:p>
         </p:txBody>
       </p:sp>
@@ -4816,22 +4653,6 @@
               </a:rPr>
               <a:t>踩刹车</a:t>
             </a:r>
-            <a:endParaRPr lang="zh-CN" altLang="en-US" sz="4000" b="1" dirty="0">
-              <a:ln w="6600">
-                <a:solidFill>
-                  <a:schemeClr val="accent2"/>
-                </a:solidFill>
-                <a:prstDash val="solid"/>
-              </a:ln>
-              <a:solidFill>
-                <a:srgbClr val="FFFFFF"/>
-              </a:solidFill>
-              <a:effectLst>
-                <a:outerShdw dist="38100" dir="2700000" algn="tl" rotWithShape="0">
-                  <a:schemeClr val="accent2"/>
-                </a:outerShdw>
-              </a:effectLst>
-            </a:endParaRPr>
           </a:p>
         </p:txBody>
       </p:sp>
@@ -4901,22 +4722,6 @@
               </a:rPr>
               <a:t>打转向</a:t>
             </a:r>
-            <a:endParaRPr lang="zh-CN" altLang="en-US" sz="4000" b="1" dirty="0">
-              <a:ln w="6600">
-                <a:solidFill>
-                  <a:schemeClr val="accent2"/>
-                </a:solidFill>
-                <a:prstDash val="solid"/>
-              </a:ln>
-              <a:solidFill>
-                <a:srgbClr val="FFFFFF"/>
-              </a:solidFill>
-              <a:effectLst>
-                <a:outerShdw dist="38100" dir="2700000" algn="tl" rotWithShape="0">
-                  <a:schemeClr val="accent2"/>
-                </a:outerShdw>
-              </a:effectLst>
-            </a:endParaRPr>
           </a:p>
         </p:txBody>
       </p:sp>
@@ -5024,22 +4829,6 @@
               </a:rPr>
               <a:t>个</a:t>
             </a:r>
-            <a:endParaRPr lang="zh-CN" altLang="en-US" sz="3200" b="1" dirty="0">
-              <a:ln w="6600">
-                <a:solidFill>
-                  <a:schemeClr val="accent2"/>
-                </a:solidFill>
-                <a:prstDash val="solid"/>
-              </a:ln>
-              <a:solidFill>
-                <a:srgbClr val="FFFFFF"/>
-              </a:solidFill>
-              <a:effectLst>
-                <a:outerShdw dist="38100" dir="2700000" algn="tl" rotWithShape="0">
-                  <a:schemeClr val="accent2"/>
-                </a:outerShdw>
-              </a:effectLst>
-            </a:endParaRPr>
           </a:p>
         </p:txBody>
       </p:sp>
@@ -5147,22 +4936,6 @@
               </a:rPr>
               <a:t>码</a:t>
             </a:r>
-            <a:endParaRPr lang="zh-CN" altLang="en-US" sz="3200" b="1" dirty="0">
-              <a:ln w="6600">
-                <a:solidFill>
-                  <a:schemeClr val="accent2"/>
-                </a:solidFill>
-                <a:prstDash val="solid"/>
-              </a:ln>
-              <a:solidFill>
-                <a:srgbClr val="FFFFFF"/>
-              </a:solidFill>
-              <a:effectLst>
-                <a:outerShdw dist="38100" dir="2700000" algn="tl" rotWithShape="0">
-                  <a:schemeClr val="accent2"/>
-                </a:outerShdw>
-              </a:effectLst>
-            </a:endParaRPr>
           </a:p>
         </p:txBody>
       </p:sp>
@@ -5270,22 +5043,6 @@
               </a:rPr>
               <a:t>℃</a:t>
             </a:r>
-            <a:endParaRPr lang="zh-CN" altLang="en-US" sz="3200" b="1" dirty="0">
-              <a:ln w="6600">
-                <a:solidFill>
-                  <a:schemeClr val="accent2"/>
-                </a:solidFill>
-                <a:prstDash val="solid"/>
-              </a:ln>
-              <a:solidFill>
-                <a:srgbClr val="FFFFFF"/>
-              </a:solidFill>
-              <a:effectLst>
-                <a:outerShdw dist="38100" dir="2700000" algn="tl" rotWithShape="0">
-                  <a:schemeClr val="accent2"/>
-                </a:outerShdw>
-              </a:effectLst>
-            </a:endParaRPr>
           </a:p>
         </p:txBody>
       </p:sp>
@@ -5352,19 +5109,6 @@
               </a:rPr>
               <a:t>踩油门</a:t>
             </a:r>
-            <a:endParaRPr lang="zh-CN" altLang="en-US" sz="4000" dirty="0">
-              <a:ln w="0"/>
-              <a:solidFill>
-                <a:schemeClr val="accent1"/>
-              </a:solidFill>
-              <a:effectLst>
-                <a:outerShdw blurRad="38100" dist="25400" dir="5400000" algn="ctr" rotWithShape="0">
-                  <a:srgbClr val="6E747A">
-                    <a:alpha val="43000"/>
-                  </a:srgbClr>
-                </a:outerShdw>
-              </a:effectLst>
-            </a:endParaRPr>
           </a:p>
         </p:txBody>
       </p:sp>
@@ -5377,7 +5121,7 @@
         <p:spPr>
           <a:xfrm>
             <a:off x="107911" y="6353996"/>
-            <a:ext cx="1883849" cy="369332"/>
+            <a:ext cx="1848583" cy="369332"/>
           </a:xfrm>
           <a:prstGeom prst="rect">
             <a:avLst/>
@@ -5395,12 +5139,8 @@
               <a:t>代码：</a:t>
             </a:r>
             <a:r>
-              <a:rPr lang="en-US" altLang="zh-CN" dirty="0" err="1"/>
-              <a:t>oop</a:t>
-            </a:r>
-            <a:r>
               <a:rPr lang="en-US" altLang="zh-CN" dirty="0"/>
-              <a:t>/oop2</a:t>
+              <a:t>oop.oop2</a:t>
             </a:r>
             <a:endParaRPr lang="zh-CN" altLang="en-US" dirty="0"/>
           </a:p>
@@ -5411,8 +5151,8 @@
   <p:clrMapOvr>
     <a:masterClrMapping/>
   </p:clrMapOvr>
-  <mc:AlternateContent xmlns:mc="http://schemas.openxmlformats.org/markup-compatibility/2006" xmlns:p159="http://schemas.microsoft.com/office/powerpoint/2015/09/main">
-    <mc:Choice Requires="p159">
+  <mc:AlternateContent xmlns:mc="http://schemas.openxmlformats.org/markup-compatibility/2006">
+    <mc:Choice xmlns:p159="http://schemas.microsoft.com/office/powerpoint/2015/09/main" Requires="p159">
       <p:transition xmlns:p14="http://schemas.microsoft.com/office/powerpoint/2010/main" spd="slow" p14:dur="2000">
         <p159:morph option="byObject"/>
       </p:transition>
@@ -5452,7 +5192,7 @@
           <p:nvPr/>
         </p:nvPicPr>
         <p:blipFill>
-          <a:blip r:embed="rId1">
+          <a:blip r:embed="rId2">
             <a:clrChange>
               <a:clrFrom>
                 <a:srgbClr val="FFFFFF"/>
@@ -5487,7 +5227,7 @@
           <p:nvPr/>
         </p:nvPicPr>
         <p:blipFill>
-          <a:blip r:embed="rId2"/>
+          <a:blip r:embed="rId3"/>
           <a:stretch>
             <a:fillRect/>
           </a:stretch>
@@ -5511,11 +5251,11 @@
           <p:nvPr/>
         </p:nvPicPr>
         <p:blipFill>
-          <a:blip r:embed="rId3">
+          <a:blip r:embed="rId4">
             <a:extLst>
               <a:ext uri="{BEBA8EAE-BF5A-486C-A8C5-ECC9F3942E4B}">
                 <a14:imgProps xmlns:a14="http://schemas.microsoft.com/office/drawing/2010/main">
-                  <a14:imgLayer r:embed="rId4">
+                  <a14:imgLayer r:embed="rId5">
                     <a14:imgEffect>
                       <a14:artisticPencilGrayscale/>
                     </a14:imgEffect>
@@ -5641,7 +5381,6 @@
               <a:rPr lang="zh-CN" altLang="en-US" dirty="0"/>
               <a:t>）</a:t>
             </a:r>
-            <a:endParaRPr lang="zh-CN" altLang="en-US" dirty="0"/>
           </a:p>
         </p:txBody>
       </p:sp>
@@ -5679,7 +5418,6 @@
               <a:rPr lang="zh-CN" altLang="en-US" dirty="0"/>
               <a:t>）</a:t>
             </a:r>
-            <a:endParaRPr lang="zh-CN" altLang="en-US" dirty="0"/>
           </a:p>
         </p:txBody>
       </p:sp>
@@ -5746,19 +5484,6 @@
               </a:rPr>
               <a:t>踩电门</a:t>
             </a:r>
-            <a:endParaRPr lang="zh-CN" altLang="en-US" sz="4000" dirty="0">
-              <a:ln w="0"/>
-              <a:solidFill>
-                <a:schemeClr val="accent1"/>
-              </a:solidFill>
-              <a:effectLst>
-                <a:outerShdw blurRad="38100" dist="25400" dir="5400000" algn="ctr" rotWithShape="0">
-                  <a:srgbClr val="6E747A">
-                    <a:alpha val="43000"/>
-                  </a:srgbClr>
-                </a:outerShdw>
-              </a:effectLst>
-            </a:endParaRPr>
           </a:p>
         </p:txBody>
       </p:sp>
@@ -5828,22 +5553,6 @@
               </a:rPr>
               <a:t>踩刹车</a:t>
             </a:r>
-            <a:endParaRPr lang="zh-CN" altLang="en-US" sz="4000" b="1" dirty="0">
-              <a:ln w="6600">
-                <a:solidFill>
-                  <a:schemeClr val="accent2"/>
-                </a:solidFill>
-                <a:prstDash val="solid"/>
-              </a:ln>
-              <a:solidFill>
-                <a:srgbClr val="FFFFFF"/>
-              </a:solidFill>
-              <a:effectLst>
-                <a:outerShdw dist="38100" dir="2700000" algn="tl" rotWithShape="0">
-                  <a:schemeClr val="accent2"/>
-                </a:outerShdw>
-              </a:effectLst>
-            </a:endParaRPr>
           </a:p>
         </p:txBody>
       </p:sp>
@@ -5913,22 +5622,6 @@
               </a:rPr>
               <a:t>打转向</a:t>
             </a:r>
-            <a:endParaRPr lang="zh-CN" altLang="en-US" sz="4000" b="1" dirty="0">
-              <a:ln w="6600">
-                <a:solidFill>
-                  <a:schemeClr val="accent2"/>
-                </a:solidFill>
-                <a:prstDash val="solid"/>
-              </a:ln>
-              <a:solidFill>
-                <a:srgbClr val="FFFFFF"/>
-              </a:solidFill>
-              <a:effectLst>
-                <a:outerShdw dist="38100" dir="2700000" algn="tl" rotWithShape="0">
-                  <a:schemeClr val="accent2"/>
-                </a:outerShdw>
-              </a:effectLst>
-            </a:endParaRPr>
           </a:p>
         </p:txBody>
       </p:sp>
@@ -6036,22 +5729,6 @@
               </a:rPr>
               <a:t>个</a:t>
             </a:r>
-            <a:endParaRPr lang="zh-CN" altLang="en-US" sz="3200" b="1" dirty="0">
-              <a:ln w="6600">
-                <a:solidFill>
-                  <a:schemeClr val="accent2"/>
-                </a:solidFill>
-                <a:prstDash val="solid"/>
-              </a:ln>
-              <a:solidFill>
-                <a:srgbClr val="FFFFFF"/>
-              </a:solidFill>
-              <a:effectLst>
-                <a:outerShdw dist="38100" dir="2700000" algn="tl" rotWithShape="0">
-                  <a:schemeClr val="accent2"/>
-                </a:outerShdw>
-              </a:effectLst>
-            </a:endParaRPr>
           </a:p>
         </p:txBody>
       </p:sp>
@@ -6159,22 +5836,6 @@
               </a:rPr>
               <a:t>码</a:t>
             </a:r>
-            <a:endParaRPr lang="zh-CN" altLang="en-US" sz="3200" b="1" dirty="0">
-              <a:ln w="6600">
-                <a:solidFill>
-                  <a:schemeClr val="accent2"/>
-                </a:solidFill>
-                <a:prstDash val="solid"/>
-              </a:ln>
-              <a:solidFill>
-                <a:srgbClr val="FFFFFF"/>
-              </a:solidFill>
-              <a:effectLst>
-                <a:outerShdw dist="38100" dir="2700000" algn="tl" rotWithShape="0">
-                  <a:schemeClr val="accent2"/>
-                </a:outerShdw>
-              </a:effectLst>
-            </a:endParaRPr>
           </a:p>
         </p:txBody>
       </p:sp>
@@ -6282,22 +5943,6 @@
               </a:rPr>
               <a:t>℃</a:t>
             </a:r>
-            <a:endParaRPr lang="zh-CN" altLang="en-US" sz="3200" b="1" dirty="0">
-              <a:ln w="6600">
-                <a:solidFill>
-                  <a:schemeClr val="accent2"/>
-                </a:solidFill>
-                <a:prstDash val="solid"/>
-              </a:ln>
-              <a:solidFill>
-                <a:srgbClr val="FFFFFF"/>
-              </a:solidFill>
-              <a:effectLst>
-                <a:outerShdw dist="38100" dir="2700000" algn="tl" rotWithShape="0">
-                  <a:schemeClr val="accent2"/>
-                </a:outerShdw>
-              </a:effectLst>
-            </a:endParaRPr>
           </a:p>
         </p:txBody>
       </p:sp>
@@ -6364,19 +6009,6 @@
               </a:rPr>
               <a:t>踩油门</a:t>
             </a:r>
-            <a:endParaRPr lang="zh-CN" altLang="en-US" sz="4000" dirty="0">
-              <a:ln w="0"/>
-              <a:solidFill>
-                <a:schemeClr val="accent1"/>
-              </a:solidFill>
-              <a:effectLst>
-                <a:outerShdw blurRad="38100" dist="25400" dir="5400000" algn="ctr" rotWithShape="0">
-                  <a:srgbClr val="6E747A">
-                    <a:alpha val="43000"/>
-                  </a:srgbClr>
-                </a:outerShdw>
-              </a:effectLst>
-            </a:endParaRPr>
           </a:p>
         </p:txBody>
       </p:sp>
@@ -6450,34 +6082,6 @@
               </a:rPr>
               <a:t>踩？门</a:t>
             </a:r>
-            <a:endParaRPr lang="zh-CN" altLang="en-US" sz="4000" b="1" dirty="0">
-              <a:ln w="12700">
-                <a:solidFill>
-                  <a:schemeClr val="accent3">
-                    <a:lumMod val="50000"/>
-                  </a:schemeClr>
-                </a:solidFill>
-                <a:prstDash val="solid"/>
-              </a:ln>
-              <a:pattFill prst="narHorz">
-                <a:fgClr>
-                  <a:schemeClr val="accent3"/>
-                </a:fgClr>
-                <a:bgClr>
-                  <a:schemeClr val="accent3">
-                    <a:lumMod val="40000"/>
-                    <a:lumOff val="60000"/>
-                  </a:schemeClr>
-                </a:bgClr>
-              </a:pattFill>
-              <a:effectLst>
-                <a:innerShdw blurRad="177800">
-                  <a:schemeClr val="accent3">
-                    <a:lumMod val="50000"/>
-                  </a:schemeClr>
-                </a:innerShdw>
-              </a:effectLst>
-            </a:endParaRPr>
           </a:p>
         </p:txBody>
       </p:sp>
@@ -6490,7 +6094,7 @@
         <p:spPr>
           <a:xfrm>
             <a:off x="107911" y="6353996"/>
-            <a:ext cx="1883849" cy="369332"/>
+            <a:ext cx="1848583" cy="369332"/>
           </a:xfrm>
           <a:prstGeom prst="rect">
             <a:avLst/>
@@ -6508,12 +6112,8 @@
               <a:t>代码：</a:t>
             </a:r>
             <a:r>
-              <a:rPr lang="en-US" altLang="zh-CN" dirty="0" err="1"/>
-              <a:t>oop</a:t>
-            </a:r>
-            <a:r>
               <a:rPr lang="en-US" altLang="zh-CN" dirty="0"/>
-              <a:t>/oop3</a:t>
+              <a:t>oop.oop3</a:t>
             </a:r>
             <a:endParaRPr lang="zh-CN" altLang="en-US" dirty="0"/>
           </a:p>
@@ -6524,8 +6124,8 @@
   <p:clrMapOvr>
     <a:masterClrMapping/>
   </p:clrMapOvr>
-  <mc:AlternateContent xmlns:mc="http://schemas.openxmlformats.org/markup-compatibility/2006" xmlns:p159="http://schemas.microsoft.com/office/powerpoint/2015/09/main">
-    <mc:Choice Requires="p159">
+  <mc:AlternateContent xmlns:mc="http://schemas.openxmlformats.org/markup-compatibility/2006">
+    <mc:Choice xmlns:p159="http://schemas.microsoft.com/office/powerpoint/2015/09/main" Requires="p159">
       <p:transition xmlns:p14="http://schemas.microsoft.com/office/powerpoint/2010/main" spd="slow" p14:dur="2000">
         <p159:morph option="byObject"/>
       </p:transition>
@@ -6565,7 +6165,7 @@
           <p:nvPr/>
         </p:nvPicPr>
         <p:blipFill>
-          <a:blip r:embed="rId1"/>
+          <a:blip r:embed="rId2"/>
           <a:stretch>
             <a:fillRect/>
           </a:stretch>
@@ -6589,11 +6189,11 @@
           <p:nvPr/>
         </p:nvPicPr>
         <p:blipFill>
-          <a:blip r:embed="rId2">
+          <a:blip r:embed="rId3">
             <a:extLst>
               <a:ext uri="{BEBA8EAE-BF5A-486C-A8C5-ECC9F3942E4B}">
                 <a14:imgProps xmlns:a14="http://schemas.microsoft.com/office/drawing/2010/main">
-                  <a14:imgLayer r:embed="rId3">
+                  <a14:imgLayer r:embed="rId4">
                     <a14:imgEffect>
                       <a14:backgroundRemoval t="10000" b="90000" l="10000" r="90000"/>
                     </a14:imgEffect>
@@ -6657,7 +6257,6 @@
               <a:rPr lang="zh-CN" altLang="en-US" dirty="0"/>
               <a:t>）</a:t>
             </a:r>
-            <a:endParaRPr lang="zh-CN" altLang="en-US" dirty="0"/>
           </a:p>
         </p:txBody>
       </p:sp>
@@ -6721,22 +6320,6 @@
               </a:rPr>
               <a:t>踩电门</a:t>
             </a:r>
-            <a:endParaRPr lang="zh-CN" altLang="en-US" sz="4000" b="1" dirty="0">
-              <a:ln w="6600">
-                <a:solidFill>
-                  <a:schemeClr val="accent2"/>
-                </a:solidFill>
-                <a:prstDash val="solid"/>
-              </a:ln>
-              <a:solidFill>
-                <a:srgbClr val="FFFFFF"/>
-              </a:solidFill>
-              <a:effectLst>
-                <a:outerShdw dist="38100" dir="2700000" algn="tl" rotWithShape="0">
-                  <a:schemeClr val="accent2"/>
-                </a:outerShdw>
-              </a:effectLst>
-            </a:endParaRPr>
           </a:p>
         </p:txBody>
       </p:sp>
@@ -6806,22 +6389,6 @@
               </a:rPr>
               <a:t>踩刹车</a:t>
             </a:r>
-            <a:endParaRPr lang="zh-CN" altLang="en-US" sz="4000" b="1" dirty="0">
-              <a:ln w="6600">
-                <a:solidFill>
-                  <a:schemeClr val="accent2"/>
-                </a:solidFill>
-                <a:prstDash val="solid"/>
-              </a:ln>
-              <a:solidFill>
-                <a:srgbClr val="FFFFFF"/>
-              </a:solidFill>
-              <a:effectLst>
-                <a:outerShdw dist="38100" dir="2700000" algn="tl" rotWithShape="0">
-                  <a:schemeClr val="accent2"/>
-                </a:outerShdw>
-              </a:effectLst>
-            </a:endParaRPr>
           </a:p>
         </p:txBody>
       </p:sp>
@@ -6891,22 +6458,6 @@
               </a:rPr>
               <a:t>打转向</a:t>
             </a:r>
-            <a:endParaRPr lang="zh-CN" altLang="en-US" sz="4000" b="1" dirty="0">
-              <a:ln w="6600">
-                <a:solidFill>
-                  <a:schemeClr val="accent2"/>
-                </a:solidFill>
-                <a:prstDash val="solid"/>
-              </a:ln>
-              <a:solidFill>
-                <a:srgbClr val="FFFFFF"/>
-              </a:solidFill>
-              <a:effectLst>
-                <a:outerShdw dist="38100" dir="2700000" algn="tl" rotWithShape="0">
-                  <a:schemeClr val="accent2"/>
-                </a:outerShdw>
-              </a:effectLst>
-            </a:endParaRPr>
           </a:p>
         </p:txBody>
       </p:sp>
@@ -7014,22 +6565,6 @@
               </a:rPr>
               <a:t>个</a:t>
             </a:r>
-            <a:endParaRPr lang="zh-CN" altLang="en-US" sz="3200" b="1" dirty="0">
-              <a:ln w="6600">
-                <a:solidFill>
-                  <a:schemeClr val="accent2"/>
-                </a:solidFill>
-                <a:prstDash val="solid"/>
-              </a:ln>
-              <a:solidFill>
-                <a:srgbClr val="FFFFFF"/>
-              </a:solidFill>
-              <a:effectLst>
-                <a:outerShdw dist="38100" dir="2700000" algn="tl" rotWithShape="0">
-                  <a:schemeClr val="accent2"/>
-                </a:outerShdw>
-              </a:effectLst>
-            </a:endParaRPr>
           </a:p>
         </p:txBody>
       </p:sp>
@@ -7137,22 +6672,6 @@
               </a:rPr>
               <a:t>码</a:t>
             </a:r>
-            <a:endParaRPr lang="zh-CN" altLang="en-US" sz="3200" b="1" dirty="0">
-              <a:ln w="6600">
-                <a:solidFill>
-                  <a:schemeClr val="accent2"/>
-                </a:solidFill>
-                <a:prstDash val="solid"/>
-              </a:ln>
-              <a:solidFill>
-                <a:srgbClr val="FFFFFF"/>
-              </a:solidFill>
-              <a:effectLst>
-                <a:outerShdw dist="38100" dir="2700000" algn="tl" rotWithShape="0">
-                  <a:schemeClr val="accent2"/>
-                </a:outerShdw>
-              </a:effectLst>
-            </a:endParaRPr>
           </a:p>
         </p:txBody>
       </p:sp>
@@ -7260,22 +6779,6 @@
               </a:rPr>
               <a:t>℃</a:t>
             </a:r>
-            <a:endParaRPr lang="zh-CN" altLang="en-US" sz="3200" b="1" dirty="0">
-              <a:ln w="6600">
-                <a:solidFill>
-                  <a:schemeClr val="accent2"/>
-                </a:solidFill>
-                <a:prstDash val="solid"/>
-              </a:ln>
-              <a:solidFill>
-                <a:srgbClr val="FFFFFF"/>
-              </a:solidFill>
-              <a:effectLst>
-                <a:outerShdw dist="38100" dir="2700000" algn="tl" rotWithShape="0">
-                  <a:schemeClr val="accent2"/>
-                </a:outerShdw>
-              </a:effectLst>
-            </a:endParaRPr>
           </a:p>
         </p:txBody>
       </p:sp>
@@ -7339,22 +6842,6 @@
               </a:rPr>
               <a:t>踩油门</a:t>
             </a:r>
-            <a:endParaRPr lang="zh-CN" altLang="en-US" sz="4000" b="1" dirty="0">
-              <a:ln w="6600">
-                <a:solidFill>
-                  <a:schemeClr val="accent2"/>
-                </a:solidFill>
-                <a:prstDash val="solid"/>
-              </a:ln>
-              <a:solidFill>
-                <a:srgbClr val="FFFFFF"/>
-              </a:solidFill>
-              <a:effectLst>
-                <a:outerShdw dist="38100" dir="2700000" algn="tl" rotWithShape="0">
-                  <a:schemeClr val="accent2"/>
-                </a:outerShdw>
-              </a:effectLst>
-            </a:endParaRPr>
           </a:p>
         </p:txBody>
       </p:sp>
@@ -7367,7 +6854,7 @@
         <p:spPr>
           <a:xfrm>
             <a:off x="107911" y="6353996"/>
-            <a:ext cx="1883849" cy="369332"/>
+            <a:ext cx="1848583" cy="369332"/>
           </a:xfrm>
           <a:prstGeom prst="rect">
             <a:avLst/>
@@ -7385,12 +6872,8 @@
               <a:t>代码：</a:t>
             </a:r>
             <a:r>
-              <a:rPr lang="en-US" altLang="zh-CN" dirty="0" err="1"/>
-              <a:t>oop</a:t>
-            </a:r>
-            <a:r>
               <a:rPr lang="en-US" altLang="zh-CN" dirty="0"/>
-              <a:t>/oop4</a:t>
+              <a:t>oop.oop4</a:t>
             </a:r>
             <a:endParaRPr lang="zh-CN" altLang="en-US" dirty="0"/>
           </a:p>
@@ -7498,7 +6981,6 @@
               <a:rPr lang="zh-CN" altLang="en-US" dirty="0"/>
               <a:t>）</a:t>
             </a:r>
-            <a:endParaRPr lang="zh-CN" altLang="en-US" dirty="0"/>
           </a:p>
         </p:txBody>
       </p:sp>
@@ -7536,7 +7018,6 @@
               <a:rPr lang="zh-CN" altLang="en-US" dirty="0"/>
               <a:t>）</a:t>
             </a:r>
-            <a:endParaRPr lang="zh-CN" altLang="en-US" dirty="0"/>
           </a:p>
         </p:txBody>
       </p:sp>
@@ -7584,8 +7065,8 @@
   <p:clrMapOvr>
     <a:masterClrMapping/>
   </p:clrMapOvr>
-  <mc:AlternateContent xmlns:mc="http://schemas.openxmlformats.org/markup-compatibility/2006" xmlns:p159="http://schemas.microsoft.com/office/powerpoint/2015/09/main">
-    <mc:Choice Requires="p159">
+  <mc:AlternateContent xmlns:mc="http://schemas.openxmlformats.org/markup-compatibility/2006">
+    <mc:Choice xmlns:p159="http://schemas.microsoft.com/office/powerpoint/2015/09/main" Requires="p159">
       <p:transition xmlns:p14="http://schemas.microsoft.com/office/powerpoint/2010/main" spd="slow" p14:dur="2000">
         <p159:morph option="byObject"/>
       </p:transition>
@@ -7810,6 +7291,717 @@
 </p:sld>
 </file>
 
+<file path=ppt/slides/slide14.xml><?xml version="1.0" encoding="utf-8"?>
+<p:sld xmlns:a="http://schemas.openxmlformats.org/drawingml/2006/main" xmlns:r="http://schemas.openxmlformats.org/officeDocument/2006/relationships" xmlns:p="http://schemas.openxmlformats.org/presentationml/2006/main">
+  <p:cSld>
+    <p:spTree>
+      <p:nvGrpSpPr>
+        <p:cNvPr id="1" name=""/>
+        <p:cNvGrpSpPr/>
+        <p:nvPr/>
+      </p:nvGrpSpPr>
+      <p:grpSpPr>
+        <a:xfrm>
+          <a:off x="0" y="0"/>
+          <a:ext cx="0" cy="0"/>
+          <a:chOff x="0" y="0"/>
+          <a:chExt cx="0" cy="0"/>
+        </a:xfrm>
+      </p:grpSpPr>
+      <p:pic>
+        <p:nvPicPr>
+          <p:cNvPr id="4" name="图片 3">
+            <a:extLst>
+              <a:ext uri="{FF2B5EF4-FFF2-40B4-BE49-F238E27FC236}">
+                <a16:creationId xmlns:a16="http://schemas.microsoft.com/office/drawing/2014/main" id="{56A0C690-D55D-5F93-F26B-02C15416B5C4}"/>
+              </a:ext>
+            </a:extLst>
+          </p:cNvPr>
+          <p:cNvPicPr>
+            <a:picLocks noChangeAspect="1"/>
+          </p:cNvPicPr>
+          <p:nvPr/>
+        </p:nvPicPr>
+        <p:blipFill>
+          <a:blip r:embed="rId2"/>
+          <a:stretch>
+            <a:fillRect/>
+          </a:stretch>
+        </p:blipFill>
+        <p:spPr>
+          <a:xfrm>
+            <a:off x="283320" y="0"/>
+            <a:ext cx="11625360" cy="6858000"/>
+          </a:xfrm>
+          <a:prstGeom prst="rect">
+            <a:avLst/>
+          </a:prstGeom>
+        </p:spPr>
+      </p:pic>
+    </p:spTree>
+    <p:extLst>
+      <p:ext uri="{BB962C8B-B14F-4D97-AF65-F5344CB8AC3E}">
+        <p14:creationId xmlns:p14="http://schemas.microsoft.com/office/powerpoint/2010/main" val="2005145034"/>
+      </p:ext>
+    </p:extLst>
+  </p:cSld>
+  <p:clrMapOvr>
+    <a:masterClrMapping/>
+  </p:clrMapOvr>
+  <mc:AlternateContent xmlns:mc="http://schemas.openxmlformats.org/markup-compatibility/2006">
+    <mc:Choice xmlns:p159="http://schemas.microsoft.com/office/powerpoint/2015/09/main" Requires="p159">
+      <p:transition xmlns:p14="http://schemas.microsoft.com/office/powerpoint/2010/main" spd="slow" p14:dur="2000">
+        <p159:morph option="byObject"/>
+      </p:transition>
+    </mc:Choice>
+    <mc:Fallback>
+      <p:transition spd="slow">
+        <p:fade/>
+      </p:transition>
+    </mc:Fallback>
+  </mc:AlternateContent>
+</p:sld>
+</file>
+
+<file path=ppt/slides/slide15.xml><?xml version="1.0" encoding="utf-8"?>
+<p:sld xmlns:a="http://schemas.openxmlformats.org/drawingml/2006/main" xmlns:r="http://schemas.openxmlformats.org/officeDocument/2006/relationships" xmlns:p="http://schemas.openxmlformats.org/presentationml/2006/main">
+  <p:cSld>
+    <p:spTree>
+      <p:nvGrpSpPr>
+        <p:cNvPr id="1" name=""/>
+        <p:cNvGrpSpPr/>
+        <p:nvPr/>
+      </p:nvGrpSpPr>
+      <p:grpSpPr>
+        <a:xfrm>
+          <a:off x="0" y="0"/>
+          <a:ext cx="0" cy="0"/>
+          <a:chOff x="0" y="0"/>
+          <a:chExt cx="0" cy="0"/>
+        </a:xfrm>
+      </p:grpSpPr>
+      <p:pic>
+        <p:nvPicPr>
+          <p:cNvPr id="2" name="图片 1">
+            <a:extLst>
+              <a:ext uri="{FF2B5EF4-FFF2-40B4-BE49-F238E27FC236}">
+                <a16:creationId xmlns:a16="http://schemas.microsoft.com/office/drawing/2014/main" id="{A5798C0E-EFE2-57DD-B11C-7DED29782D81}"/>
+              </a:ext>
+            </a:extLst>
+          </p:cNvPr>
+          <p:cNvPicPr>
+            <a:picLocks noChangeAspect="1"/>
+          </p:cNvPicPr>
+          <p:nvPr/>
+        </p:nvPicPr>
+        <p:blipFill>
+          <a:blip r:embed="rId2"/>
+          <a:stretch>
+            <a:fillRect/>
+          </a:stretch>
+        </p:blipFill>
+        <p:spPr>
+          <a:xfrm>
+            <a:off x="1738312" y="547687"/>
+            <a:ext cx="8715375" cy="5762625"/>
+          </a:xfrm>
+          <a:prstGeom prst="rect">
+            <a:avLst/>
+          </a:prstGeom>
+        </p:spPr>
+      </p:pic>
+    </p:spTree>
+    <p:extLst>
+      <p:ext uri="{BB962C8B-B14F-4D97-AF65-F5344CB8AC3E}">
+        <p14:creationId xmlns:p14="http://schemas.microsoft.com/office/powerpoint/2010/main" val="2919340180"/>
+      </p:ext>
+    </p:extLst>
+  </p:cSld>
+  <p:clrMapOvr>
+    <a:masterClrMapping/>
+  </p:clrMapOvr>
+  <mc:AlternateContent xmlns:mc="http://schemas.openxmlformats.org/markup-compatibility/2006">
+    <mc:Choice xmlns:p159="http://schemas.microsoft.com/office/powerpoint/2015/09/main" Requires="p159">
+      <p:transition xmlns:p14="http://schemas.microsoft.com/office/powerpoint/2010/main" spd="slow" p14:dur="2000">
+        <p159:morph option="byObject"/>
+      </p:transition>
+    </mc:Choice>
+    <mc:Fallback>
+      <p:transition spd="slow">
+        <p:fade/>
+      </p:transition>
+    </mc:Fallback>
+  </mc:AlternateContent>
+</p:sld>
+</file>
+
+<file path=ppt/slides/slide16.xml><?xml version="1.0" encoding="utf-8"?>
+<p:sld xmlns:a="http://schemas.openxmlformats.org/drawingml/2006/main" xmlns:r="http://schemas.openxmlformats.org/officeDocument/2006/relationships" xmlns:p="http://schemas.openxmlformats.org/presentationml/2006/main">
+  <p:cSld>
+    <p:spTree>
+      <p:nvGrpSpPr>
+        <p:cNvPr id="1" name=""/>
+        <p:cNvGrpSpPr/>
+        <p:nvPr/>
+      </p:nvGrpSpPr>
+      <p:grpSpPr>
+        <a:xfrm>
+          <a:off x="0" y="0"/>
+          <a:ext cx="0" cy="0"/>
+          <a:chOff x="0" y="0"/>
+          <a:chExt cx="0" cy="0"/>
+        </a:xfrm>
+      </p:grpSpPr>
+      <p:sp>
+        <p:nvSpPr>
+          <p:cNvPr id="2" name="标题 1">
+            <a:extLst>
+              <a:ext uri="{FF2B5EF4-FFF2-40B4-BE49-F238E27FC236}">
+                <a16:creationId xmlns:a16="http://schemas.microsoft.com/office/drawing/2014/main" id="{71C04B3C-D90D-DF04-0BDF-1A9C28B93FD9}"/>
+              </a:ext>
+            </a:extLst>
+          </p:cNvPr>
+          <p:cNvSpPr>
+            <a:spLocks noGrp="1"/>
+          </p:cNvSpPr>
+          <p:nvPr>
+            <p:ph type="title"/>
+          </p:nvPr>
+        </p:nvSpPr>
+        <p:spPr/>
+        <p:txBody>
+          <a:bodyPr/>
+          <a:lstStyle/>
+          <a:p>
+            <a:r>
+              <a:rPr lang="en-US" altLang="zh-CN" dirty="0"/>
+              <a:t>Extends &amp; Implementation</a:t>
+            </a:r>
+            <a:endParaRPr lang="zh-CN" altLang="en-US" dirty="0"/>
+          </a:p>
+        </p:txBody>
+      </p:sp>
+      <p:sp>
+        <p:nvSpPr>
+          <p:cNvPr id="4" name="矩形: 圆角 3">
+            <a:extLst>
+              <a:ext uri="{FF2B5EF4-FFF2-40B4-BE49-F238E27FC236}">
+                <a16:creationId xmlns:a16="http://schemas.microsoft.com/office/drawing/2014/main" id="{A21E988B-9261-0508-2071-FA47335ED3A2}"/>
+              </a:ext>
+            </a:extLst>
+          </p:cNvPr>
+          <p:cNvSpPr/>
+          <p:nvPr/>
+        </p:nvSpPr>
+        <p:spPr>
+          <a:xfrm>
+            <a:off x="1597926" y="2064543"/>
+            <a:ext cx="2477068" cy="873457"/>
+          </a:xfrm>
+          <a:prstGeom prst="roundRect">
+            <a:avLst/>
+          </a:prstGeom>
+        </p:spPr>
+        <p:style>
+          <a:lnRef idx="2">
+            <a:schemeClr val="accent5">
+              <a:shade val="15000"/>
+            </a:schemeClr>
+          </a:lnRef>
+          <a:fillRef idx="1">
+            <a:schemeClr val="accent5"/>
+          </a:fillRef>
+          <a:effectRef idx="0">
+            <a:schemeClr val="accent5"/>
+          </a:effectRef>
+          <a:fontRef idx="minor">
+            <a:schemeClr val="lt1"/>
+          </a:fontRef>
+        </p:style>
+        <p:txBody>
+          <a:bodyPr rtlCol="0" anchor="ctr"/>
+          <a:lstStyle/>
+          <a:p>
+            <a:pPr algn="ctr"/>
+            <a:r>
+              <a:rPr lang="zh-CN" altLang="en-US" dirty="0"/>
+              <a:t>父类</a:t>
+            </a:r>
+          </a:p>
+        </p:txBody>
+      </p:sp>
+      <p:sp>
+        <p:nvSpPr>
+          <p:cNvPr id="5" name="矩形: 圆角 4">
+            <a:extLst>
+              <a:ext uri="{FF2B5EF4-FFF2-40B4-BE49-F238E27FC236}">
+                <a16:creationId xmlns:a16="http://schemas.microsoft.com/office/drawing/2014/main" id="{B639F124-BBA5-4B95-5E64-003C089E4ADB}"/>
+              </a:ext>
+            </a:extLst>
+          </p:cNvPr>
+          <p:cNvSpPr/>
+          <p:nvPr/>
+        </p:nvSpPr>
+        <p:spPr>
+          <a:xfrm>
+            <a:off x="234287" y="4185313"/>
+            <a:ext cx="2477068" cy="873457"/>
+          </a:xfrm>
+          <a:prstGeom prst="roundRect">
+            <a:avLst/>
+          </a:prstGeom>
+        </p:spPr>
+        <p:style>
+          <a:lnRef idx="2">
+            <a:schemeClr val="accent5">
+              <a:shade val="15000"/>
+            </a:schemeClr>
+          </a:lnRef>
+          <a:fillRef idx="1">
+            <a:schemeClr val="accent5"/>
+          </a:fillRef>
+          <a:effectRef idx="0">
+            <a:schemeClr val="accent5"/>
+          </a:effectRef>
+          <a:fontRef idx="minor">
+            <a:schemeClr val="lt1"/>
+          </a:fontRef>
+        </p:style>
+        <p:txBody>
+          <a:bodyPr rtlCol="0" anchor="ctr"/>
+          <a:lstStyle/>
+          <a:p>
+            <a:pPr algn="ctr"/>
+            <a:r>
+              <a:rPr lang="zh-CN" altLang="en-US" dirty="0"/>
+              <a:t>子类</a:t>
+            </a:r>
+          </a:p>
+        </p:txBody>
+      </p:sp>
+      <p:sp>
+        <p:nvSpPr>
+          <p:cNvPr id="6" name="矩形: 圆角 5">
+            <a:extLst>
+              <a:ext uri="{FF2B5EF4-FFF2-40B4-BE49-F238E27FC236}">
+                <a16:creationId xmlns:a16="http://schemas.microsoft.com/office/drawing/2014/main" id="{87981173-98F6-CD54-8F00-7D756697DC85}"/>
+              </a:ext>
+            </a:extLst>
+          </p:cNvPr>
+          <p:cNvSpPr/>
+          <p:nvPr/>
+        </p:nvSpPr>
+        <p:spPr>
+          <a:xfrm>
+            <a:off x="2836460" y="4185313"/>
+            <a:ext cx="2477068" cy="873457"/>
+          </a:xfrm>
+          <a:prstGeom prst="roundRect">
+            <a:avLst/>
+          </a:prstGeom>
+        </p:spPr>
+        <p:style>
+          <a:lnRef idx="2">
+            <a:schemeClr val="accent5">
+              <a:shade val="15000"/>
+            </a:schemeClr>
+          </a:lnRef>
+          <a:fillRef idx="1">
+            <a:schemeClr val="accent5"/>
+          </a:fillRef>
+          <a:effectRef idx="0">
+            <a:schemeClr val="accent5"/>
+          </a:effectRef>
+          <a:fontRef idx="minor">
+            <a:schemeClr val="lt1"/>
+          </a:fontRef>
+        </p:style>
+        <p:txBody>
+          <a:bodyPr rtlCol="0" anchor="ctr"/>
+          <a:lstStyle/>
+          <a:p>
+            <a:pPr algn="ctr"/>
+            <a:r>
+              <a:rPr lang="zh-CN" altLang="en-US" dirty="0"/>
+              <a:t>子类</a:t>
+            </a:r>
+          </a:p>
+        </p:txBody>
+      </p:sp>
+      <p:cxnSp>
+        <p:nvCxnSpPr>
+          <p:cNvPr id="8" name="直接箭头连接符 7">
+            <a:extLst>
+              <a:ext uri="{FF2B5EF4-FFF2-40B4-BE49-F238E27FC236}">
+                <a16:creationId xmlns:a16="http://schemas.microsoft.com/office/drawing/2014/main" id="{CF6385B0-74D4-643D-2655-BF2DD4E39722}"/>
+              </a:ext>
+            </a:extLst>
+          </p:cNvPr>
+          <p:cNvCxnSpPr>
+            <a:cxnSpLocks/>
+          </p:cNvCxnSpPr>
+          <p:nvPr/>
+        </p:nvCxnSpPr>
+        <p:spPr>
+          <a:xfrm flipH="1">
+            <a:off x="1705970" y="2938000"/>
+            <a:ext cx="573206" cy="1247313"/>
+          </a:xfrm>
+          <a:prstGeom prst="straightConnector1">
+            <a:avLst/>
+          </a:prstGeom>
+          <a:ln>
+            <a:tailEnd type="triangle"/>
+          </a:ln>
+        </p:spPr>
+        <p:style>
+          <a:lnRef idx="1">
+            <a:schemeClr val="accent1"/>
+          </a:lnRef>
+          <a:fillRef idx="0">
+            <a:schemeClr val="accent1"/>
+          </a:fillRef>
+          <a:effectRef idx="0">
+            <a:schemeClr val="accent1"/>
+          </a:effectRef>
+          <a:fontRef idx="minor">
+            <a:schemeClr val="tx1"/>
+          </a:fontRef>
+        </p:style>
+      </p:cxnSp>
+      <p:cxnSp>
+        <p:nvCxnSpPr>
+          <p:cNvPr id="10" name="直接箭头连接符 9">
+            <a:extLst>
+              <a:ext uri="{FF2B5EF4-FFF2-40B4-BE49-F238E27FC236}">
+                <a16:creationId xmlns:a16="http://schemas.microsoft.com/office/drawing/2014/main" id="{6B6C627E-3466-F5A3-0B24-4FCD8C1661FD}"/>
+              </a:ext>
+            </a:extLst>
+          </p:cNvPr>
+          <p:cNvCxnSpPr>
+            <a:cxnSpLocks/>
+          </p:cNvCxnSpPr>
+          <p:nvPr/>
+        </p:nvCxnSpPr>
+        <p:spPr>
+          <a:xfrm>
+            <a:off x="3463688" y="2938000"/>
+            <a:ext cx="378157" cy="1247313"/>
+          </a:xfrm>
+          <a:prstGeom prst="straightConnector1">
+            <a:avLst/>
+          </a:prstGeom>
+          <a:ln>
+            <a:tailEnd type="triangle"/>
+          </a:ln>
+        </p:spPr>
+        <p:style>
+          <a:lnRef idx="1">
+            <a:schemeClr val="accent1"/>
+          </a:lnRef>
+          <a:fillRef idx="0">
+            <a:schemeClr val="accent1"/>
+          </a:fillRef>
+          <a:effectRef idx="0">
+            <a:schemeClr val="accent1"/>
+          </a:effectRef>
+          <a:fontRef idx="minor">
+            <a:schemeClr val="tx1"/>
+          </a:fontRef>
+        </p:style>
+      </p:cxnSp>
+      <p:sp>
+        <p:nvSpPr>
+          <p:cNvPr id="12" name="矩形: 圆角 11">
+            <a:extLst>
+              <a:ext uri="{FF2B5EF4-FFF2-40B4-BE49-F238E27FC236}">
+                <a16:creationId xmlns:a16="http://schemas.microsoft.com/office/drawing/2014/main" id="{588DE3E8-0FDA-2B2C-A0D0-0996E6A81E4C}"/>
+              </a:ext>
+            </a:extLst>
+          </p:cNvPr>
+          <p:cNvSpPr/>
+          <p:nvPr/>
+        </p:nvSpPr>
+        <p:spPr>
+          <a:xfrm>
+            <a:off x="7649002" y="4106929"/>
+            <a:ext cx="2477068" cy="873457"/>
+          </a:xfrm>
+          <a:prstGeom prst="roundRect">
+            <a:avLst/>
+          </a:prstGeom>
+        </p:spPr>
+        <p:style>
+          <a:lnRef idx="2">
+            <a:schemeClr val="accent5">
+              <a:shade val="15000"/>
+            </a:schemeClr>
+          </a:lnRef>
+          <a:fillRef idx="1">
+            <a:schemeClr val="accent5"/>
+          </a:fillRef>
+          <a:effectRef idx="0">
+            <a:schemeClr val="accent5"/>
+          </a:effectRef>
+          <a:fontRef idx="minor">
+            <a:schemeClr val="lt1"/>
+          </a:fontRef>
+        </p:style>
+        <p:txBody>
+          <a:bodyPr rtlCol="0" anchor="ctr"/>
+          <a:lstStyle/>
+          <a:p>
+            <a:pPr algn="ctr"/>
+            <a:r>
+              <a:rPr lang="zh-CN" altLang="en-US" dirty="0"/>
+              <a:t>类</a:t>
+            </a:r>
+          </a:p>
+        </p:txBody>
+      </p:sp>
+      <p:sp>
+        <p:nvSpPr>
+          <p:cNvPr id="13" name="矩形: 圆角 12">
+            <a:extLst>
+              <a:ext uri="{FF2B5EF4-FFF2-40B4-BE49-F238E27FC236}">
+                <a16:creationId xmlns:a16="http://schemas.microsoft.com/office/drawing/2014/main" id="{B3B53B23-5B07-0544-CE9A-ACB82D1F9A99}"/>
+              </a:ext>
+            </a:extLst>
+          </p:cNvPr>
+          <p:cNvSpPr/>
+          <p:nvPr/>
+        </p:nvSpPr>
+        <p:spPr>
+          <a:xfrm>
+            <a:off x="9466998" y="1877615"/>
+            <a:ext cx="2477068" cy="873457"/>
+          </a:xfrm>
+          <a:prstGeom prst="roundRect">
+            <a:avLst/>
+          </a:prstGeom>
+        </p:spPr>
+        <p:style>
+          <a:lnRef idx="2">
+            <a:schemeClr val="accent6">
+              <a:shade val="15000"/>
+            </a:schemeClr>
+          </a:lnRef>
+          <a:fillRef idx="1">
+            <a:schemeClr val="accent6"/>
+          </a:fillRef>
+          <a:effectRef idx="0">
+            <a:schemeClr val="accent6"/>
+          </a:effectRef>
+          <a:fontRef idx="minor">
+            <a:schemeClr val="lt1"/>
+          </a:fontRef>
+        </p:style>
+        <p:txBody>
+          <a:bodyPr rtlCol="0" anchor="ctr"/>
+          <a:lstStyle/>
+          <a:p>
+            <a:pPr algn="ctr"/>
+            <a:r>
+              <a:rPr lang="zh-CN" altLang="en-US" dirty="0"/>
+              <a:t>接口</a:t>
+            </a:r>
+          </a:p>
+        </p:txBody>
+      </p:sp>
+      <p:sp>
+        <p:nvSpPr>
+          <p:cNvPr id="14" name="矩形: 圆角 13">
+            <a:extLst>
+              <a:ext uri="{FF2B5EF4-FFF2-40B4-BE49-F238E27FC236}">
+                <a16:creationId xmlns:a16="http://schemas.microsoft.com/office/drawing/2014/main" id="{13C9F228-9EFA-001C-4530-3E9BEE6BA265}"/>
+              </a:ext>
+            </a:extLst>
+          </p:cNvPr>
+          <p:cNvSpPr/>
+          <p:nvPr/>
+        </p:nvSpPr>
+        <p:spPr>
+          <a:xfrm>
+            <a:off x="6216555" y="1877614"/>
+            <a:ext cx="2477068" cy="873457"/>
+          </a:xfrm>
+          <a:prstGeom prst="roundRect">
+            <a:avLst/>
+          </a:prstGeom>
+        </p:spPr>
+        <p:style>
+          <a:lnRef idx="2">
+            <a:schemeClr val="accent6">
+              <a:shade val="15000"/>
+            </a:schemeClr>
+          </a:lnRef>
+          <a:fillRef idx="1">
+            <a:schemeClr val="accent6"/>
+          </a:fillRef>
+          <a:effectRef idx="0">
+            <a:schemeClr val="accent6"/>
+          </a:effectRef>
+          <a:fontRef idx="minor">
+            <a:schemeClr val="lt1"/>
+          </a:fontRef>
+        </p:style>
+        <p:txBody>
+          <a:bodyPr rtlCol="0" anchor="ctr"/>
+          <a:lstStyle/>
+          <a:p>
+            <a:pPr algn="ctr"/>
+            <a:r>
+              <a:rPr lang="zh-CN" altLang="en-US" dirty="0"/>
+              <a:t>接口</a:t>
+            </a:r>
+          </a:p>
+        </p:txBody>
+      </p:sp>
+      <p:cxnSp>
+        <p:nvCxnSpPr>
+          <p:cNvPr id="16" name="直接箭头连接符 15">
+            <a:extLst>
+              <a:ext uri="{FF2B5EF4-FFF2-40B4-BE49-F238E27FC236}">
+                <a16:creationId xmlns:a16="http://schemas.microsoft.com/office/drawing/2014/main" id="{27A6730F-052B-A8ED-0422-528535A934AB}"/>
+              </a:ext>
+            </a:extLst>
+          </p:cNvPr>
+          <p:cNvCxnSpPr/>
+          <p:nvPr/>
+        </p:nvCxnSpPr>
+        <p:spPr>
+          <a:xfrm>
+            <a:off x="7676866" y="2751071"/>
+            <a:ext cx="1064525" cy="1355858"/>
+          </a:xfrm>
+          <a:prstGeom prst="straightConnector1">
+            <a:avLst/>
+          </a:prstGeom>
+          <a:ln>
+            <a:tailEnd type="triangle"/>
+          </a:ln>
+        </p:spPr>
+        <p:style>
+          <a:lnRef idx="1">
+            <a:schemeClr val="accent6"/>
+          </a:lnRef>
+          <a:fillRef idx="0">
+            <a:schemeClr val="accent6"/>
+          </a:fillRef>
+          <a:effectRef idx="0">
+            <a:schemeClr val="accent6"/>
+          </a:effectRef>
+          <a:fontRef idx="minor">
+            <a:schemeClr val="tx1"/>
+          </a:fontRef>
+        </p:style>
+      </p:cxnSp>
+      <p:cxnSp>
+        <p:nvCxnSpPr>
+          <p:cNvPr id="17" name="直接箭头连接符 16">
+            <a:extLst>
+              <a:ext uri="{FF2B5EF4-FFF2-40B4-BE49-F238E27FC236}">
+                <a16:creationId xmlns:a16="http://schemas.microsoft.com/office/drawing/2014/main" id="{7217B995-C8F6-61A4-48EB-302B2F504CB9}"/>
+              </a:ext>
+            </a:extLst>
+          </p:cNvPr>
+          <p:cNvCxnSpPr>
+            <a:cxnSpLocks/>
+          </p:cNvCxnSpPr>
+          <p:nvPr/>
+        </p:nvCxnSpPr>
+        <p:spPr>
+          <a:xfrm flipH="1">
+            <a:off x="9081448" y="2644164"/>
+            <a:ext cx="1120254" cy="1462765"/>
+          </a:xfrm>
+          <a:prstGeom prst="straightConnector1">
+            <a:avLst/>
+          </a:prstGeom>
+          <a:ln>
+            <a:tailEnd type="triangle"/>
+          </a:ln>
+        </p:spPr>
+        <p:style>
+          <a:lnRef idx="1">
+            <a:schemeClr val="accent6"/>
+          </a:lnRef>
+          <a:fillRef idx="0">
+            <a:schemeClr val="accent6"/>
+          </a:fillRef>
+          <a:effectRef idx="0">
+            <a:schemeClr val="accent6"/>
+          </a:effectRef>
+          <a:fontRef idx="minor">
+            <a:schemeClr val="tx1"/>
+          </a:fontRef>
+        </p:style>
+      </p:cxnSp>
+      <p:sp>
+        <p:nvSpPr>
+          <p:cNvPr id="19" name="文本框 18">
+            <a:extLst>
+              <a:ext uri="{FF2B5EF4-FFF2-40B4-BE49-F238E27FC236}">
+                <a16:creationId xmlns:a16="http://schemas.microsoft.com/office/drawing/2014/main" id="{7F61CDA5-D6C7-5BF0-7750-252194CE3416}"/>
+              </a:ext>
+            </a:extLst>
+          </p:cNvPr>
+          <p:cNvSpPr txBox="1"/>
+          <p:nvPr/>
+        </p:nvSpPr>
+        <p:spPr>
+          <a:xfrm>
+            <a:off x="107911" y="6353996"/>
+            <a:ext cx="2888932" cy="369332"/>
+          </a:xfrm>
+          <a:prstGeom prst="rect">
+            <a:avLst/>
+          </a:prstGeom>
+          <a:noFill/>
+        </p:spPr>
+        <p:txBody>
+          <a:bodyPr wrap="none" rtlCol="0">
+            <a:spAutoFit/>
+          </a:bodyPr>
+          <a:lstStyle/>
+          <a:p>
+            <a:r>
+              <a:rPr lang="zh-CN" altLang="en-US" dirty="0"/>
+              <a:t>代码：</a:t>
+            </a:r>
+            <a:r>
+              <a:rPr lang="en-US" altLang="zh-CN" dirty="0" err="1"/>
+              <a:t>oop.implementation</a:t>
+            </a:r>
+            <a:endParaRPr lang="zh-CN" altLang="en-US" dirty="0"/>
+          </a:p>
+        </p:txBody>
+      </p:sp>
+    </p:spTree>
+    <p:extLst>
+      <p:ext uri="{BB962C8B-B14F-4D97-AF65-F5344CB8AC3E}">
+        <p14:creationId xmlns:p14="http://schemas.microsoft.com/office/powerpoint/2010/main" val="2904131233"/>
+      </p:ext>
+    </p:extLst>
+  </p:cSld>
+  <p:clrMapOvr>
+    <a:masterClrMapping/>
+  </p:clrMapOvr>
+  <mc:AlternateContent xmlns:mc="http://schemas.openxmlformats.org/markup-compatibility/2006">
+    <mc:Choice xmlns:p159="http://schemas.microsoft.com/office/powerpoint/2015/09/main" Requires="p159">
+      <p:transition xmlns:p14="http://schemas.microsoft.com/office/powerpoint/2010/main" spd="slow" p14:dur="2000">
+        <p159:morph option="byObject"/>
+      </p:transition>
+    </mc:Choice>
+    <mc:Fallback>
+      <p:transition spd="slow">
+        <p:fade/>
+      </p:transition>
+    </mc:Fallback>
+  </mc:AlternateContent>
+</p:sld>
+</file>
+
 <file path=ppt/slides/slide2.xml><?xml version="1.0" encoding="utf-8"?>
 <p:sld xmlns:a="http://schemas.openxmlformats.org/drawingml/2006/main" xmlns:r="http://schemas.openxmlformats.org/officeDocument/2006/relationships" xmlns:p="http://schemas.openxmlformats.org/presentationml/2006/main">
   <p:cSld>
@@ -7836,7 +8028,7 @@
           <p:nvPr/>
         </p:nvPicPr>
         <p:blipFill>
-          <a:blip r:embed="rId1"/>
+          <a:blip r:embed="rId2"/>
           <a:stretch>
             <a:fillRect/>
           </a:stretch>
@@ -7860,7 +8052,7 @@
           <p:nvPr/>
         </p:nvPicPr>
         <p:blipFill>
-          <a:blip r:embed="rId2"/>
+          <a:blip r:embed="rId3"/>
           <a:stretch>
             <a:fillRect/>
           </a:stretch>
@@ -7884,7 +8076,7 @@
           <p:nvPr/>
         </p:nvPicPr>
         <p:blipFill>
-          <a:blip r:embed="rId3"/>
+          <a:blip r:embed="rId4"/>
           <a:stretch>
             <a:fillRect/>
           </a:stretch>
@@ -7931,13 +8123,6 @@
               </a:rPr>
               <a:t>封装、继承、抽象、多态</a:t>
             </a:r>
-            <a:endParaRPr lang="zh-CN" altLang="en-US" sz="3600" b="1" dirty="0">
-              <a:solidFill>
-                <a:schemeClr val="tx2">
-                  <a:lumMod val="75000"/>
-                </a:schemeClr>
-              </a:solidFill>
-            </a:endParaRPr>
           </a:p>
         </p:txBody>
       </p:sp>
@@ -7946,8 +8131,8 @@
   <p:clrMapOvr>
     <a:masterClrMapping/>
   </p:clrMapOvr>
-  <mc:AlternateContent xmlns:mc="http://schemas.openxmlformats.org/markup-compatibility/2006" xmlns:p159="http://schemas.microsoft.com/office/powerpoint/2015/09/main">
-    <mc:Choice Requires="p159">
+  <mc:AlternateContent xmlns:mc="http://schemas.openxmlformats.org/markup-compatibility/2006">
+    <mc:Choice xmlns:p159="http://schemas.microsoft.com/office/powerpoint/2015/09/main" Requires="p159">
       <p:transition xmlns:p14="http://schemas.microsoft.com/office/powerpoint/2010/main" spd="slow" p14:dur="2000">
         <p159:morph option="byObject"/>
       </p:transition>
@@ -8073,11 +8258,11 @@
           <p:nvPr/>
         </p:nvPicPr>
         <p:blipFill>
-          <a:blip r:embed="rId1">
+          <a:blip r:embed="rId2">
             <a:extLst>
               <a:ext uri="{BEBA8EAE-BF5A-486C-A8C5-ECC9F3942E4B}">
                 <a14:imgProps xmlns:a14="http://schemas.microsoft.com/office/drawing/2010/main">
-                  <a14:imgLayer r:embed="rId2">
+                  <a14:imgLayer r:embed="rId3">
                     <a14:imgEffect>
                       <a14:backgroundRemoval t="10000" b="90000" l="10000" r="90000"/>
                     </a14:imgEffect>
@@ -8135,16 +8320,6 @@
               </a:rPr>
               <a:t>如何让轿车加速？</a:t>
             </a:r>
-            <a:endParaRPr lang="zh-CN" altLang="en-US" sz="2400" dirty="0">
-              <a:ln w="0"/>
-              <a:effectLst>
-                <a:outerShdw blurRad="38100" dist="19050" dir="2700000" algn="tl" rotWithShape="0">
-                  <a:schemeClr val="dk1">
-                    <a:alpha val="40000"/>
-                  </a:schemeClr>
-                </a:outerShdw>
-              </a:effectLst>
-            </a:endParaRPr>
           </a:p>
         </p:txBody>
       </p:sp>
@@ -8187,20 +8362,6 @@
               </a:rPr>
               <a:t>踩油门！</a:t>
             </a:r>
-            <a:endParaRPr lang="zh-CN" altLang="en-US" sz="4400" b="1" dirty="0">
-              <a:ln w="22225">
-                <a:solidFill>
-                  <a:schemeClr val="accent2"/>
-                </a:solidFill>
-                <a:prstDash val="solid"/>
-              </a:ln>
-              <a:solidFill>
-                <a:schemeClr val="accent2">
-                  <a:lumMod val="40000"/>
-                  <a:lumOff val="60000"/>
-                </a:schemeClr>
-              </a:solidFill>
-            </a:endParaRPr>
           </a:p>
         </p:txBody>
       </p:sp>
@@ -8272,7 +8433,6 @@
               <a:rPr lang="zh-CN" altLang="en-US" dirty="0"/>
               <a:t>（电子控制单元）对油门信号运算处理</a:t>
             </a:r>
-            <a:endParaRPr lang="zh-CN" altLang="en-US" dirty="0"/>
           </a:p>
         </p:txBody>
       </p:sp>
@@ -8302,7 +8462,6 @@
               <a:rPr lang="zh-CN" altLang="en-US" dirty="0"/>
               <a:t>节气门开度增加</a:t>
             </a:r>
-            <a:endParaRPr lang="zh-CN" altLang="en-US" dirty="0"/>
           </a:p>
         </p:txBody>
       </p:sp>
@@ -8332,7 +8491,6 @@
               <a:rPr lang="zh-CN" altLang="en-US" dirty="0"/>
               <a:t>喷油量增加</a:t>
             </a:r>
-            <a:endParaRPr lang="zh-CN" altLang="en-US" dirty="0"/>
           </a:p>
         </p:txBody>
       </p:sp>
@@ -8362,7 +8520,6 @@
               <a:rPr lang="zh-CN" altLang="en-US" dirty="0"/>
               <a:t>发动机转速增加</a:t>
             </a:r>
-            <a:endParaRPr lang="zh-CN" altLang="en-US" dirty="0"/>
           </a:p>
         </p:txBody>
       </p:sp>
@@ -8392,7 +8549,6 @@
               <a:rPr lang="zh-CN" altLang="en-US" dirty="0"/>
               <a:t>变速箱挡位提升</a:t>
             </a:r>
-            <a:endParaRPr lang="zh-CN" altLang="en-US" dirty="0"/>
           </a:p>
         </p:txBody>
       </p:sp>
@@ -8422,7 +8578,6 @@
               <a:rPr lang="zh-CN" altLang="en-US" dirty="0"/>
               <a:t>调整点火角度</a:t>
             </a:r>
-            <a:endParaRPr lang="zh-CN" altLang="en-US" dirty="0"/>
           </a:p>
         </p:txBody>
       </p:sp>
@@ -8452,7 +8607,6 @@
               <a:rPr lang="zh-CN" altLang="en-US" dirty="0"/>
               <a:t>适当释放驻车压力</a:t>
             </a:r>
-            <a:endParaRPr lang="zh-CN" altLang="en-US" dirty="0"/>
           </a:p>
         </p:txBody>
       </p:sp>
@@ -8491,8 +8645,8 @@
   <p:clrMapOvr>
     <a:masterClrMapping/>
   </p:clrMapOvr>
-  <mc:AlternateContent xmlns:mc="http://schemas.openxmlformats.org/markup-compatibility/2006" xmlns:p159="http://schemas.microsoft.com/office/powerpoint/2015/09/main">
-    <mc:Choice Requires="p159">
+  <mc:AlternateContent xmlns:mc="http://schemas.openxmlformats.org/markup-compatibility/2006">
+    <mc:Choice xmlns:p159="http://schemas.microsoft.com/office/powerpoint/2015/09/main" Requires="p159">
       <p:transition xmlns:p14="http://schemas.microsoft.com/office/powerpoint/2010/main" spd="slow" p14:dur="2000">
         <p159:morph option="byObject"/>
       </p:transition>
@@ -8969,11 +9123,11 @@
           <p:nvPr/>
         </p:nvPicPr>
         <p:blipFill>
-          <a:blip r:embed="rId1">
+          <a:blip r:embed="rId2">
             <a:extLst>
               <a:ext uri="{BEBA8EAE-BF5A-486C-A8C5-ECC9F3942E4B}">
                 <a14:imgProps xmlns:a14="http://schemas.microsoft.com/office/drawing/2010/main">
-                  <a14:imgLayer r:embed="rId2">
+                  <a14:imgLayer r:embed="rId3">
                     <a14:imgEffect>
                       <a14:backgroundRemoval t="10000" b="90000" l="10000" r="90000"/>
                     </a14:imgEffect>
@@ -9035,20 +9189,6 @@
               </a:rPr>
               <a:t>踩油门！</a:t>
             </a:r>
-            <a:endParaRPr lang="zh-CN" altLang="en-US" sz="4400" b="1" dirty="0">
-              <a:ln w="22225">
-                <a:solidFill>
-                  <a:schemeClr val="accent2"/>
-                </a:solidFill>
-                <a:prstDash val="solid"/>
-              </a:ln>
-              <a:solidFill>
-                <a:schemeClr val="accent2">
-                  <a:lumMod val="40000"/>
-                  <a:lumOff val="60000"/>
-                </a:schemeClr>
-              </a:solidFill>
-            </a:endParaRPr>
           </a:p>
         </p:txBody>
       </p:sp>
@@ -9061,11 +9201,11 @@
           <p:nvPr/>
         </p:nvPicPr>
         <p:blipFill>
-          <a:blip r:embed="rId3">
+          <a:blip r:embed="rId4">
             <a:extLst>
               <a:ext uri="{BEBA8EAE-BF5A-486C-A8C5-ECC9F3942E4B}">
                 <a14:imgProps xmlns:a14="http://schemas.microsoft.com/office/drawing/2010/main">
-                  <a14:imgLayer r:embed="rId4">
+                  <a14:imgLayer r:embed="rId5">
                     <a14:imgEffect>
                       <a14:backgroundRemoval t="2344" b="97266" l="1367" r="96094">
                         <a14:foregroundMark x1="22852" y1="14453" x2="24219" y2="56055"/>
@@ -9256,7 +9396,6 @@
                 <a:rPr lang="zh-CN" altLang="en-US" sz="1200" dirty="0"/>
                 <a:t>（电子控制单元）对油门信号运算处理</a:t>
               </a:r>
-              <a:endParaRPr lang="zh-CN" altLang="en-US" sz="1200" dirty="0"/>
             </a:p>
           </p:txBody>
         </p:sp>
@@ -9286,7 +9425,6 @@
                 <a:rPr lang="zh-CN" altLang="en-US" sz="1200" dirty="0"/>
                 <a:t>节气门开度增加</a:t>
               </a:r>
-              <a:endParaRPr lang="zh-CN" altLang="en-US" sz="1200" dirty="0"/>
             </a:p>
           </p:txBody>
         </p:sp>
@@ -9316,7 +9454,6 @@
                 <a:rPr lang="zh-CN" altLang="en-US" sz="1200" dirty="0"/>
                 <a:t>喷油量增加</a:t>
               </a:r>
-              <a:endParaRPr lang="zh-CN" altLang="en-US" sz="1200" dirty="0"/>
             </a:p>
           </p:txBody>
         </p:sp>
@@ -9346,7 +9483,6 @@
                 <a:rPr lang="zh-CN" altLang="en-US" sz="1200" dirty="0"/>
                 <a:t>发动机转速增加</a:t>
               </a:r>
-              <a:endParaRPr lang="zh-CN" altLang="en-US" sz="1200" dirty="0"/>
             </a:p>
           </p:txBody>
         </p:sp>
@@ -9376,7 +9512,6 @@
                 <a:rPr lang="zh-CN" altLang="en-US" sz="1200" dirty="0"/>
                 <a:t>变速箱挡位提升</a:t>
               </a:r>
-              <a:endParaRPr lang="zh-CN" altLang="en-US" sz="1200" dirty="0"/>
             </a:p>
           </p:txBody>
         </p:sp>
@@ -9406,7 +9541,6 @@
                 <a:rPr lang="zh-CN" altLang="en-US" sz="1200" dirty="0"/>
                 <a:t>调整点火角度</a:t>
               </a:r>
-              <a:endParaRPr lang="zh-CN" altLang="en-US" sz="1200" dirty="0"/>
             </a:p>
           </p:txBody>
         </p:sp>
@@ -9436,7 +9570,6 @@
                 <a:rPr lang="zh-CN" altLang="en-US" sz="1200" dirty="0"/>
                 <a:t>适当释放驻车压力</a:t>
               </a:r>
-              <a:endParaRPr lang="zh-CN" altLang="en-US" sz="1200" dirty="0"/>
             </a:p>
           </p:txBody>
         </p:sp>
@@ -9561,19 +9694,6 @@
               </a:rPr>
               <a:t>不用了解</a:t>
             </a:r>
-            <a:endParaRPr lang="zh-CN" altLang="en-US" sz="4400" b="1" dirty="0">
-              <a:ln w="0"/>
-              <a:solidFill>
-                <a:schemeClr val="accent1"/>
-              </a:solidFill>
-              <a:effectLst>
-                <a:outerShdw blurRad="38100" dist="25400" dir="5400000" algn="ctr" rotWithShape="0">
-                  <a:srgbClr val="6E747A">
-                    <a:alpha val="43000"/>
-                  </a:srgbClr>
-                </a:outerShdw>
-              </a:effectLst>
-            </a:endParaRPr>
           </a:p>
         </p:txBody>
       </p:sp>
@@ -9582,8 +9702,8 @@
   <p:clrMapOvr>
     <a:masterClrMapping/>
   </p:clrMapOvr>
-  <mc:AlternateContent xmlns:mc="http://schemas.openxmlformats.org/markup-compatibility/2006" xmlns:p159="http://schemas.microsoft.com/office/powerpoint/2015/09/main">
-    <mc:Choice Requires="p159">
+  <mc:AlternateContent xmlns:mc="http://schemas.openxmlformats.org/markup-compatibility/2006">
+    <mc:Choice xmlns:p159="http://schemas.microsoft.com/office/powerpoint/2015/09/main" Requires="p159">
       <p:transition xmlns:p14="http://schemas.microsoft.com/office/powerpoint/2010/main" spd="slow" p14:dur="2000">
         <p159:morph option="byObject"/>
       </p:transition>
@@ -9709,11 +9829,11 @@
           <p:nvPr/>
         </p:nvPicPr>
         <p:blipFill>
-          <a:blip r:embed="rId1">
+          <a:blip r:embed="rId2">
             <a:extLst>
               <a:ext uri="{BEBA8EAE-BF5A-486C-A8C5-ECC9F3942E4B}">
                 <a14:imgProps xmlns:a14="http://schemas.microsoft.com/office/drawing/2010/main">
-                  <a14:imgLayer r:embed="rId2">
+                  <a14:imgLayer r:embed="rId3">
                     <a14:imgEffect>
                       <a14:backgroundRemoval t="10000" b="90000" l="10000" r="90000"/>
                     </a14:imgEffect>
@@ -9775,20 +9895,6 @@
               </a:rPr>
               <a:t>踩油门！</a:t>
             </a:r>
-            <a:endParaRPr lang="zh-CN" altLang="en-US" sz="4400" b="1" dirty="0">
-              <a:ln w="22225">
-                <a:solidFill>
-                  <a:schemeClr val="accent2"/>
-                </a:solidFill>
-                <a:prstDash val="solid"/>
-              </a:ln>
-              <a:solidFill>
-                <a:schemeClr val="accent2">
-                  <a:lumMod val="40000"/>
-                  <a:lumOff val="60000"/>
-                </a:schemeClr>
-              </a:solidFill>
-            </a:endParaRPr>
           </a:p>
         </p:txBody>
       </p:sp>
@@ -9801,11 +9907,11 @@
           <p:nvPr/>
         </p:nvPicPr>
         <p:blipFill>
-          <a:blip r:embed="rId3">
+          <a:blip r:embed="rId4">
             <a:extLst>
               <a:ext uri="{BEBA8EAE-BF5A-486C-A8C5-ECC9F3942E4B}">
                 <a14:imgProps xmlns:a14="http://schemas.microsoft.com/office/drawing/2010/main">
-                  <a14:imgLayer r:embed="rId4">
+                  <a14:imgLayer r:embed="rId5">
                     <a14:imgEffect>
                       <a14:backgroundRemoval t="2344" b="97266" l="1367" r="96094">
                         <a14:foregroundMark x1="22852" y1="14453" x2="24219" y2="56055"/>
@@ -9996,7 +10102,6 @@
                 <a:rPr lang="zh-CN" altLang="en-US" sz="1200" dirty="0"/>
                 <a:t>（电子控制单元）对油门信号运算处理</a:t>
               </a:r>
-              <a:endParaRPr lang="zh-CN" altLang="en-US" sz="1200" dirty="0"/>
             </a:p>
           </p:txBody>
         </p:sp>
@@ -10026,7 +10131,6 @@
                 <a:rPr lang="zh-CN" altLang="en-US" sz="1200" dirty="0"/>
                 <a:t>节气门开度增加</a:t>
               </a:r>
-              <a:endParaRPr lang="zh-CN" altLang="en-US" sz="1200" dirty="0"/>
             </a:p>
           </p:txBody>
         </p:sp>
@@ -10056,7 +10160,6 @@
                 <a:rPr lang="zh-CN" altLang="en-US" sz="1200" dirty="0"/>
                 <a:t>喷油量增加</a:t>
               </a:r>
-              <a:endParaRPr lang="zh-CN" altLang="en-US" sz="1200" dirty="0"/>
             </a:p>
           </p:txBody>
         </p:sp>
@@ -10086,7 +10189,6 @@
                 <a:rPr lang="zh-CN" altLang="en-US" sz="1200" dirty="0"/>
                 <a:t>发动机转速增加</a:t>
               </a:r>
-              <a:endParaRPr lang="zh-CN" altLang="en-US" sz="1200" dirty="0"/>
             </a:p>
           </p:txBody>
         </p:sp>
@@ -10116,7 +10218,6 @@
                 <a:rPr lang="zh-CN" altLang="en-US" sz="1200" dirty="0"/>
                 <a:t>变速箱挡位提升</a:t>
               </a:r>
-              <a:endParaRPr lang="zh-CN" altLang="en-US" sz="1200" dirty="0"/>
             </a:p>
           </p:txBody>
         </p:sp>
@@ -10146,7 +10247,6 @@
                 <a:rPr lang="zh-CN" altLang="en-US" sz="1200" dirty="0"/>
                 <a:t>调整点火角度</a:t>
               </a:r>
-              <a:endParaRPr lang="zh-CN" altLang="en-US" sz="1200" dirty="0"/>
             </a:p>
           </p:txBody>
         </p:sp>
@@ -10176,7 +10276,6 @@
                 <a:rPr lang="zh-CN" altLang="en-US" sz="1200" dirty="0"/>
                 <a:t>适当释放驻车压力</a:t>
               </a:r>
-              <a:endParaRPr lang="zh-CN" altLang="en-US" sz="1200" dirty="0"/>
             </a:p>
           </p:txBody>
         </p:sp>
@@ -10269,19 +10368,6 @@
               </a:rPr>
               <a:t>封装</a:t>
             </a:r>
-            <a:endParaRPr lang="zh-CN" altLang="en-US" sz="4400" b="1" dirty="0">
-              <a:ln w="0"/>
-              <a:solidFill>
-                <a:schemeClr val="accent1"/>
-              </a:solidFill>
-              <a:effectLst>
-                <a:outerShdw blurRad="38100" dist="25400" dir="5400000" algn="ctr" rotWithShape="0">
-                  <a:srgbClr val="6E747A">
-                    <a:alpha val="43000"/>
-                  </a:srgbClr>
-                </a:outerShdw>
-              </a:effectLst>
-            </a:endParaRPr>
           </a:p>
         </p:txBody>
       </p:sp>
@@ -10290,8 +10376,8 @@
   <p:clrMapOvr>
     <a:masterClrMapping/>
   </p:clrMapOvr>
-  <mc:AlternateContent xmlns:mc="http://schemas.openxmlformats.org/markup-compatibility/2006" xmlns:p159="http://schemas.microsoft.com/office/powerpoint/2015/09/main">
-    <mc:Choice Requires="p159">
+  <mc:AlternateContent xmlns:mc="http://schemas.openxmlformats.org/markup-compatibility/2006">
+    <mc:Choice xmlns:p159="http://schemas.microsoft.com/office/powerpoint/2015/09/main" Requires="p159">
       <p:transition xmlns:p14="http://schemas.microsoft.com/office/powerpoint/2010/main" spd="slow" p14:dur="2000">
         <p159:morph option="byObject"/>
       </p:transition>
@@ -10314,7 +10400,14 @@
         <p:cNvGrpSpPr/>
         <p:nvPr/>
       </p:nvGrpSpPr>
-      <p:grpSpPr/>
+      <p:grpSpPr>
+        <a:xfrm>
+          <a:off x="0" y="0"/>
+          <a:ext cx="0" cy="0"/>
+          <a:chOff x="0" y="0"/>
+          <a:chExt cx="0" cy="0"/>
+        </a:xfrm>
+      </p:grpSpPr>
       <p:pic>
         <p:nvPicPr>
           <p:cNvPr id="100" name="图片 99"/>
@@ -10322,7 +10415,7 @@
           <p:nvPr/>
         </p:nvPicPr>
         <p:blipFill>
-          <a:blip r:embed="rId1"/>
+          <a:blip r:embed="rId2"/>
           <a:stretch>
             <a:fillRect/>
           </a:stretch>
@@ -10346,8 +10439,8 @@
   <p:clrMapOvr>
     <a:masterClrMapping/>
   </p:clrMapOvr>
-  <mc:AlternateContent xmlns:mc="http://schemas.openxmlformats.org/markup-compatibility/2006" xmlns:p159="http://schemas.microsoft.com/office/powerpoint/2015/09/main">
-    <mc:Choice Requires="p159">
+  <mc:AlternateContent xmlns:mc="http://schemas.openxmlformats.org/markup-compatibility/2006">
+    <mc:Choice xmlns:p159="http://schemas.microsoft.com/office/powerpoint/2015/09/main" Requires="p159">
       <p:transition xmlns:p14="http://schemas.microsoft.com/office/powerpoint/2010/main" spd="slow" p14:dur="2000">
         <p159:morph option="byObject"/>
       </p:transition>
@@ -10417,19 +10510,6 @@
               </a:rPr>
               <a:t>方法</a:t>
             </a:r>
-            <a:endParaRPr lang="zh-CN" altLang="en-US" sz="5400" b="0" cap="none" spc="0" dirty="0">
-              <a:ln w="0"/>
-              <a:solidFill>
-                <a:schemeClr val="tx1"/>
-              </a:solidFill>
-              <a:effectLst>
-                <a:outerShdw blurRad="38100" dist="19050" dir="2700000" algn="tl" rotWithShape="0">
-                  <a:schemeClr val="dk1">
-                    <a:alpha val="40000"/>
-                  </a:schemeClr>
-                </a:outerShdw>
-              </a:effectLst>
-            </a:endParaRPr>
           </a:p>
         </p:txBody>
       </p:sp>
@@ -10472,19 +10552,6 @@
               </a:rPr>
               <a:t>属性</a:t>
             </a:r>
-            <a:endParaRPr lang="zh-CN" altLang="en-US" sz="5400" b="0" cap="none" spc="0" dirty="0">
-              <a:ln w="0"/>
-              <a:solidFill>
-                <a:schemeClr val="tx1"/>
-              </a:solidFill>
-              <a:effectLst>
-                <a:outerShdw blurRad="38100" dist="19050" dir="2700000" algn="tl" rotWithShape="0">
-                  <a:schemeClr val="dk1">
-                    <a:alpha val="40000"/>
-                  </a:schemeClr>
-                </a:outerShdw>
-              </a:effectLst>
-            </a:endParaRPr>
           </a:p>
         </p:txBody>
       </p:sp>
@@ -10497,11 +10564,11 @@
           <p:nvPr/>
         </p:nvPicPr>
         <p:blipFill>
-          <a:blip r:embed="rId1">
+          <a:blip r:embed="rId2">
             <a:extLst>
               <a:ext uri="{BEBA8EAE-BF5A-486C-A8C5-ECC9F3942E4B}">
                 <a14:imgProps xmlns:a14="http://schemas.microsoft.com/office/drawing/2010/main">
-                  <a14:imgLayer r:embed="rId2">
+                  <a14:imgLayer r:embed="rId3">
                     <a14:imgEffect>
                       <a14:backgroundRemoval t="10000" b="90000" l="10000" r="90000"/>
                     </a14:imgEffect>
@@ -10585,22 +10652,6 @@
               </a:rPr>
               <a:t>踩油门</a:t>
             </a:r>
-            <a:endParaRPr lang="zh-CN" altLang="en-US" sz="4000" b="1" dirty="0">
-              <a:ln w="6600">
-                <a:solidFill>
-                  <a:schemeClr val="accent2"/>
-                </a:solidFill>
-                <a:prstDash val="solid"/>
-              </a:ln>
-              <a:solidFill>
-                <a:srgbClr val="FFFFFF"/>
-              </a:solidFill>
-              <a:effectLst>
-                <a:outerShdw dist="38100" dir="2700000" algn="tl" rotWithShape="0">
-                  <a:schemeClr val="accent2"/>
-                </a:outerShdw>
-              </a:effectLst>
-            </a:endParaRPr>
           </a:p>
         </p:txBody>
       </p:sp>
@@ -10670,22 +10721,6 @@
               </a:rPr>
               <a:t>踩刹车</a:t>
             </a:r>
-            <a:endParaRPr lang="zh-CN" altLang="en-US" sz="4000" b="1" dirty="0">
-              <a:ln w="6600">
-                <a:solidFill>
-                  <a:schemeClr val="accent2"/>
-                </a:solidFill>
-                <a:prstDash val="solid"/>
-              </a:ln>
-              <a:solidFill>
-                <a:srgbClr val="FFFFFF"/>
-              </a:solidFill>
-              <a:effectLst>
-                <a:outerShdw dist="38100" dir="2700000" algn="tl" rotWithShape="0">
-                  <a:schemeClr val="accent2"/>
-                </a:outerShdw>
-              </a:effectLst>
-            </a:endParaRPr>
           </a:p>
         </p:txBody>
       </p:sp>
@@ -10755,22 +10790,6 @@
               </a:rPr>
               <a:t>打转向</a:t>
             </a:r>
-            <a:endParaRPr lang="zh-CN" altLang="en-US" sz="4000" b="1" dirty="0">
-              <a:ln w="6600">
-                <a:solidFill>
-                  <a:schemeClr val="accent2"/>
-                </a:solidFill>
-                <a:prstDash val="solid"/>
-              </a:ln>
-              <a:solidFill>
-                <a:srgbClr val="FFFFFF"/>
-              </a:solidFill>
-              <a:effectLst>
-                <a:outerShdw dist="38100" dir="2700000" algn="tl" rotWithShape="0">
-                  <a:schemeClr val="accent2"/>
-                </a:outerShdw>
-              </a:effectLst>
-            </a:endParaRPr>
           </a:p>
         </p:txBody>
       </p:sp>
@@ -10878,22 +10897,6 @@
               </a:rPr>
               <a:t>个</a:t>
             </a:r>
-            <a:endParaRPr lang="zh-CN" altLang="en-US" sz="3200" b="1" dirty="0">
-              <a:ln w="6600">
-                <a:solidFill>
-                  <a:schemeClr val="accent2"/>
-                </a:solidFill>
-                <a:prstDash val="solid"/>
-              </a:ln>
-              <a:solidFill>
-                <a:srgbClr val="FFFFFF"/>
-              </a:solidFill>
-              <a:effectLst>
-                <a:outerShdw dist="38100" dir="2700000" algn="tl" rotWithShape="0">
-                  <a:schemeClr val="accent2"/>
-                </a:outerShdw>
-              </a:effectLst>
-            </a:endParaRPr>
           </a:p>
         </p:txBody>
       </p:sp>
@@ -11001,22 +11004,6 @@
               </a:rPr>
               <a:t>码</a:t>
             </a:r>
-            <a:endParaRPr lang="zh-CN" altLang="en-US" sz="3200" b="1" dirty="0">
-              <a:ln w="6600">
-                <a:solidFill>
-                  <a:schemeClr val="accent2"/>
-                </a:solidFill>
-                <a:prstDash val="solid"/>
-              </a:ln>
-              <a:solidFill>
-                <a:srgbClr val="FFFFFF"/>
-              </a:solidFill>
-              <a:effectLst>
-                <a:outerShdw dist="38100" dir="2700000" algn="tl" rotWithShape="0">
-                  <a:schemeClr val="accent2"/>
-                </a:outerShdw>
-              </a:effectLst>
-            </a:endParaRPr>
           </a:p>
         </p:txBody>
       </p:sp>
@@ -11124,22 +11111,6 @@
               </a:rPr>
               <a:t>℃</a:t>
             </a:r>
-            <a:endParaRPr lang="zh-CN" altLang="en-US" sz="3200" b="1" dirty="0">
-              <a:ln w="6600">
-                <a:solidFill>
-                  <a:schemeClr val="accent2"/>
-                </a:solidFill>
-                <a:prstDash val="solid"/>
-              </a:ln>
-              <a:solidFill>
-                <a:srgbClr val="FFFFFF"/>
-              </a:solidFill>
-              <a:effectLst>
-                <a:outerShdw dist="38100" dir="2700000" algn="tl" rotWithShape="0">
-                  <a:schemeClr val="accent2"/>
-                </a:outerShdw>
-              </a:effectLst>
-            </a:endParaRPr>
           </a:p>
         </p:txBody>
       </p:sp>
@@ -11182,8 +11153,8 @@
   <p:clrMapOvr>
     <a:masterClrMapping/>
   </p:clrMapOvr>
-  <mc:AlternateContent xmlns:mc="http://schemas.openxmlformats.org/markup-compatibility/2006" xmlns:p159="http://schemas.microsoft.com/office/powerpoint/2015/09/main">
-    <mc:Choice Requires="p159">
+  <mc:AlternateContent xmlns:mc="http://schemas.openxmlformats.org/markup-compatibility/2006">
+    <mc:Choice xmlns:p159="http://schemas.microsoft.com/office/powerpoint/2015/09/main" Requires="p159">
       <p:transition xmlns:p14="http://schemas.microsoft.com/office/powerpoint/2010/main" spd="slow" p14:dur="2000">
         <p159:morph option="byObject"/>
       </p:transition>
@@ -11223,11 +11194,11 @@
           <p:nvPr/>
         </p:nvPicPr>
         <p:blipFill>
-          <a:blip r:embed="rId1">
+          <a:blip r:embed="rId2">
             <a:extLst>
               <a:ext uri="{BEBA8EAE-BF5A-486C-A8C5-ECC9F3942E4B}">
                 <a14:imgProps xmlns:a14="http://schemas.microsoft.com/office/drawing/2010/main">
-                  <a14:imgLayer r:embed="rId2">
+                  <a14:imgLayer r:embed="rId3">
                     <a14:imgEffect>
                       <a14:backgroundRemoval t="10000" b="90000" l="10000" r="90000"/>
                     </a14:imgEffect>
@@ -11311,22 +11282,6 @@
               </a:rPr>
               <a:t>踩油门</a:t>
             </a:r>
-            <a:endParaRPr lang="zh-CN" altLang="en-US" sz="4000" b="1" dirty="0">
-              <a:ln w="6600">
-                <a:solidFill>
-                  <a:schemeClr val="accent2"/>
-                </a:solidFill>
-                <a:prstDash val="solid"/>
-              </a:ln>
-              <a:solidFill>
-                <a:srgbClr val="FFFFFF"/>
-              </a:solidFill>
-              <a:effectLst>
-                <a:outerShdw dist="38100" dir="2700000" algn="tl" rotWithShape="0">
-                  <a:schemeClr val="accent2"/>
-                </a:outerShdw>
-              </a:effectLst>
-            </a:endParaRPr>
           </a:p>
         </p:txBody>
       </p:sp>
@@ -11396,22 +11351,6 @@
               </a:rPr>
               <a:t>踩刹车</a:t>
             </a:r>
-            <a:endParaRPr lang="zh-CN" altLang="en-US" sz="4000" b="1" dirty="0">
-              <a:ln w="6600">
-                <a:solidFill>
-                  <a:schemeClr val="accent2"/>
-                </a:solidFill>
-                <a:prstDash val="solid"/>
-              </a:ln>
-              <a:solidFill>
-                <a:srgbClr val="FFFFFF"/>
-              </a:solidFill>
-              <a:effectLst>
-                <a:outerShdw dist="38100" dir="2700000" algn="tl" rotWithShape="0">
-                  <a:schemeClr val="accent2"/>
-                </a:outerShdw>
-              </a:effectLst>
-            </a:endParaRPr>
           </a:p>
         </p:txBody>
       </p:sp>
@@ -11481,22 +11420,6 @@
               </a:rPr>
               <a:t>打转向</a:t>
             </a:r>
-            <a:endParaRPr lang="zh-CN" altLang="en-US" sz="4000" b="1" dirty="0">
-              <a:ln w="6600">
-                <a:solidFill>
-                  <a:schemeClr val="accent2"/>
-                </a:solidFill>
-                <a:prstDash val="solid"/>
-              </a:ln>
-              <a:solidFill>
-                <a:srgbClr val="FFFFFF"/>
-              </a:solidFill>
-              <a:effectLst>
-                <a:outerShdw dist="38100" dir="2700000" algn="tl" rotWithShape="0">
-                  <a:schemeClr val="accent2"/>
-                </a:outerShdw>
-              </a:effectLst>
-            </a:endParaRPr>
           </a:p>
         </p:txBody>
       </p:sp>
@@ -11604,22 +11527,6 @@
               </a:rPr>
               <a:t>个</a:t>
             </a:r>
-            <a:endParaRPr lang="zh-CN" altLang="en-US" sz="3200" b="1" dirty="0">
-              <a:ln w="6600">
-                <a:solidFill>
-                  <a:schemeClr val="accent2"/>
-                </a:solidFill>
-                <a:prstDash val="solid"/>
-              </a:ln>
-              <a:solidFill>
-                <a:srgbClr val="FFFFFF"/>
-              </a:solidFill>
-              <a:effectLst>
-                <a:outerShdw dist="38100" dir="2700000" algn="tl" rotWithShape="0">
-                  <a:schemeClr val="accent2"/>
-                </a:outerShdw>
-              </a:effectLst>
-            </a:endParaRPr>
           </a:p>
         </p:txBody>
       </p:sp>
@@ -11727,22 +11634,6 @@
               </a:rPr>
               <a:t>码</a:t>
             </a:r>
-            <a:endParaRPr lang="zh-CN" altLang="en-US" sz="3200" b="1" dirty="0">
-              <a:ln w="6600">
-                <a:solidFill>
-                  <a:schemeClr val="accent2"/>
-                </a:solidFill>
-                <a:prstDash val="solid"/>
-              </a:ln>
-              <a:solidFill>
-                <a:srgbClr val="FFFFFF"/>
-              </a:solidFill>
-              <a:effectLst>
-                <a:outerShdw dist="38100" dir="2700000" algn="tl" rotWithShape="0">
-                  <a:schemeClr val="accent2"/>
-                </a:outerShdw>
-              </a:effectLst>
-            </a:endParaRPr>
           </a:p>
         </p:txBody>
       </p:sp>
@@ -11850,22 +11741,6 @@
               </a:rPr>
               <a:t>℃</a:t>
             </a:r>
-            <a:endParaRPr lang="zh-CN" altLang="en-US" sz="3200" b="1" dirty="0">
-              <a:ln w="6600">
-                <a:solidFill>
-                  <a:schemeClr val="accent2"/>
-                </a:solidFill>
-                <a:prstDash val="solid"/>
-              </a:ln>
-              <a:solidFill>
-                <a:srgbClr val="FFFFFF"/>
-              </a:solidFill>
-              <a:effectLst>
-                <a:outerShdw dist="38100" dir="2700000" algn="tl" rotWithShape="0">
-                  <a:schemeClr val="accent2"/>
-                </a:outerShdw>
-              </a:effectLst>
-            </a:endParaRPr>
           </a:p>
         </p:txBody>
       </p:sp>
@@ -11999,7 +11874,6 @@
               <a:rPr lang="zh-CN" altLang="en-US" dirty="0"/>
               <a:t>物体共有的属性</a:t>
             </a:r>
-            <a:endParaRPr lang="zh-CN" altLang="en-US" dirty="0"/>
           </a:p>
         </p:txBody>
       </p:sp>
@@ -12037,7 +11911,6 @@
               <a:rPr lang="zh-CN" altLang="en-US" dirty="0"/>
               <a:t>特有的属性</a:t>
             </a:r>
-            <a:endParaRPr lang="zh-CN" altLang="en-US" dirty="0"/>
           </a:p>
         </p:txBody>
       </p:sp>
@@ -12114,8 +11987,8 @@
   <p:clrMapOvr>
     <a:masterClrMapping/>
   </p:clrMapOvr>
-  <mc:AlternateContent xmlns:mc="http://schemas.openxmlformats.org/markup-compatibility/2006" xmlns:p159="http://schemas.microsoft.com/office/powerpoint/2015/09/main">
-    <mc:Choice Requires="p159">
+  <mc:AlternateContent xmlns:mc="http://schemas.openxmlformats.org/markup-compatibility/2006">
+    <mc:Choice xmlns:p159="http://schemas.microsoft.com/office/powerpoint/2015/09/main" Requires="p159">
       <p:transition xmlns:p14="http://schemas.microsoft.com/office/powerpoint/2010/main" spd="slow" p14:dur="2000">
         <p159:morph option="byObject"/>
       </p:transition>
@@ -12271,19 +12144,6 @@
               </a:rPr>
               <a:t>方法</a:t>
             </a:r>
-            <a:endParaRPr lang="zh-CN" altLang="en-US" sz="5400" b="0" cap="none" spc="0" dirty="0">
-              <a:ln w="0"/>
-              <a:solidFill>
-                <a:schemeClr val="tx1"/>
-              </a:solidFill>
-              <a:effectLst>
-                <a:outerShdw blurRad="38100" dist="19050" dir="2700000" algn="tl" rotWithShape="0">
-                  <a:schemeClr val="dk1">
-                    <a:alpha val="40000"/>
-                  </a:schemeClr>
-                </a:outerShdw>
-              </a:effectLst>
-            </a:endParaRPr>
           </a:p>
         </p:txBody>
       </p:sp>
@@ -12326,19 +12186,6 @@
               </a:rPr>
               <a:t>属性</a:t>
             </a:r>
-            <a:endParaRPr lang="zh-CN" altLang="en-US" sz="5400" b="0" cap="none" spc="0" dirty="0">
-              <a:ln w="0"/>
-              <a:solidFill>
-                <a:schemeClr val="tx1"/>
-              </a:solidFill>
-              <a:effectLst>
-                <a:outerShdw blurRad="38100" dist="19050" dir="2700000" algn="tl" rotWithShape="0">
-                  <a:schemeClr val="dk1">
-                    <a:alpha val="40000"/>
-                  </a:schemeClr>
-                </a:outerShdw>
-              </a:effectLst>
-            </a:endParaRPr>
           </a:p>
         </p:txBody>
       </p:sp>
@@ -12400,19 +12247,6 @@
               </a:rPr>
               <a:t>踩电门</a:t>
             </a:r>
-            <a:endParaRPr lang="zh-CN" altLang="en-US" sz="4000" dirty="0">
-              <a:ln w="0"/>
-              <a:solidFill>
-                <a:schemeClr val="accent1"/>
-              </a:solidFill>
-              <a:effectLst>
-                <a:outerShdw blurRad="38100" dist="25400" dir="5400000" algn="ctr" rotWithShape="0">
-                  <a:srgbClr val="6E747A">
-                    <a:alpha val="43000"/>
-                  </a:srgbClr>
-                </a:outerShdw>
-              </a:effectLst>
-            </a:endParaRPr>
           </a:p>
         </p:txBody>
       </p:sp>
@@ -12482,22 +12316,6 @@
               </a:rPr>
               <a:t>踩刹车</a:t>
             </a:r>
-            <a:endParaRPr lang="zh-CN" altLang="en-US" sz="4000" b="1" dirty="0">
-              <a:ln w="6600">
-                <a:solidFill>
-                  <a:schemeClr val="accent2"/>
-                </a:solidFill>
-                <a:prstDash val="solid"/>
-              </a:ln>
-              <a:solidFill>
-                <a:srgbClr val="FFFFFF"/>
-              </a:solidFill>
-              <a:effectLst>
-                <a:outerShdw dist="38100" dir="2700000" algn="tl" rotWithShape="0">
-                  <a:schemeClr val="accent2"/>
-                </a:outerShdw>
-              </a:effectLst>
-            </a:endParaRPr>
           </a:p>
         </p:txBody>
       </p:sp>
@@ -12567,22 +12385,6 @@
               </a:rPr>
               <a:t>打转向</a:t>
             </a:r>
-            <a:endParaRPr lang="zh-CN" altLang="en-US" sz="4000" b="1" dirty="0">
-              <a:ln w="6600">
-                <a:solidFill>
-                  <a:schemeClr val="accent2"/>
-                </a:solidFill>
-                <a:prstDash val="solid"/>
-              </a:ln>
-              <a:solidFill>
-                <a:srgbClr val="FFFFFF"/>
-              </a:solidFill>
-              <a:effectLst>
-                <a:outerShdw dist="38100" dir="2700000" algn="tl" rotWithShape="0">
-                  <a:schemeClr val="accent2"/>
-                </a:outerShdw>
-              </a:effectLst>
-            </a:endParaRPr>
           </a:p>
         </p:txBody>
       </p:sp>
@@ -12690,22 +12492,6 @@
               </a:rPr>
               <a:t>个</a:t>
             </a:r>
-            <a:endParaRPr lang="zh-CN" altLang="en-US" sz="3200" b="1" dirty="0">
-              <a:ln w="6600">
-                <a:solidFill>
-                  <a:schemeClr val="accent2"/>
-                </a:solidFill>
-                <a:prstDash val="solid"/>
-              </a:ln>
-              <a:solidFill>
-                <a:srgbClr val="FFFFFF"/>
-              </a:solidFill>
-              <a:effectLst>
-                <a:outerShdw dist="38100" dir="2700000" algn="tl" rotWithShape="0">
-                  <a:schemeClr val="accent2"/>
-                </a:outerShdw>
-              </a:effectLst>
-            </a:endParaRPr>
           </a:p>
         </p:txBody>
       </p:sp>
@@ -12813,22 +12599,6 @@
               </a:rPr>
               <a:t>码</a:t>
             </a:r>
-            <a:endParaRPr lang="zh-CN" altLang="en-US" sz="3200" b="1" dirty="0">
-              <a:ln w="6600">
-                <a:solidFill>
-                  <a:schemeClr val="accent2"/>
-                </a:solidFill>
-                <a:prstDash val="solid"/>
-              </a:ln>
-              <a:solidFill>
-                <a:srgbClr val="FFFFFF"/>
-              </a:solidFill>
-              <a:effectLst>
-                <a:outerShdw dist="38100" dir="2700000" algn="tl" rotWithShape="0">
-                  <a:schemeClr val="accent2"/>
-                </a:outerShdw>
-              </a:effectLst>
-            </a:endParaRPr>
           </a:p>
         </p:txBody>
       </p:sp>
@@ -12936,22 +12706,6 @@
               </a:rPr>
               <a:t>℃</a:t>
             </a:r>
-            <a:endParaRPr lang="zh-CN" altLang="en-US" sz="3200" b="1" dirty="0">
-              <a:ln w="6600">
-                <a:solidFill>
-                  <a:schemeClr val="accent2"/>
-                </a:solidFill>
-                <a:prstDash val="solid"/>
-              </a:ln>
-              <a:solidFill>
-                <a:srgbClr val="FFFFFF"/>
-              </a:solidFill>
-              <a:effectLst>
-                <a:outerShdw dist="38100" dir="2700000" algn="tl" rotWithShape="0">
-                  <a:schemeClr val="accent2"/>
-                </a:outerShdw>
-              </a:effectLst>
-            </a:endParaRPr>
           </a:p>
         </p:txBody>
       </p:sp>
@@ -12964,7 +12718,7 @@
           <p:nvPr/>
         </p:nvPicPr>
         <p:blipFill>
-          <a:blip r:embed="rId1"/>
+          <a:blip r:embed="rId2"/>
           <a:stretch>
             <a:fillRect/>
           </a:stretch>
@@ -12984,8 +12738,8 @@
   <p:clrMapOvr>
     <a:masterClrMapping/>
   </p:clrMapOvr>
-  <mc:AlternateContent xmlns:mc="http://schemas.openxmlformats.org/markup-compatibility/2006" xmlns:p159="http://schemas.microsoft.com/office/powerpoint/2015/09/main">
-    <mc:Choice Requires="p159">
+  <mc:AlternateContent xmlns:mc="http://schemas.openxmlformats.org/markup-compatibility/2006">
+    <mc:Choice xmlns:p159="http://schemas.microsoft.com/office/powerpoint/2015/09/main" Requires="p159">
       <p:transition xmlns:p14="http://schemas.microsoft.com/office/powerpoint/2010/main" spd="slow" p14:dur="2000">
         <p159:morph option="byObject"/>
       </p:transition>
@@ -13000,8 +12754,8 @@
 </file>
 
 <file path=ppt/tags/tag1.xml><?xml version="1.0" encoding="utf-8"?>
-<p:tagLst xmlns:p="http://schemas.openxmlformats.org/presentationml/2006/main">
-  <p:tag name="commondata" val="eyJoZGlkIjoiZDI2YzA5MDc3YjFmNzMxNzIwYWRhOWJhM2Y3MzgwMjYifQ=="/>
+<p:tagLst xmlns:a="http://schemas.openxmlformats.org/drawingml/2006/main" xmlns:r="http://schemas.openxmlformats.org/officeDocument/2006/relationships" xmlns:p="http://schemas.openxmlformats.org/presentationml/2006/main">
+  <p:tag name="COMMONDATA" val="eyJoZGlkIjoiZDI2YzA5MDc3YjFmNzMxNzIwYWRhOWJhM2Y3MzgwMjYifQ=="/>
 </p:tagLst>
 </file>
 
@@ -13256,6 +13010,8 @@
       </a:bgFillStyleLst>
     </a:fmtScheme>
   </a:themeElements>
+  <a:objectDefaults/>
+  <a:extraClrSchemeLst/>
   <a:extLst>
     <a:ext uri="{05A4C25C-085E-4340-85A3-A5531E510DB2}">
       <thm15:themeFamily xmlns:thm15="http://schemas.microsoft.com/office/thememl/2012/main" name="Office Theme" id="{62F939B6-93AF-4DB8-9C6B-D6C7DFDC589F}" vid="{4A3C46E8-61CC-4603-A589-7422A47A8E4A}"/>
@@ -13515,6 +13271,8 @@
       </a:bgFillStyleLst>
     </a:fmtScheme>
   </a:themeElements>
+  <a:objectDefaults/>
+  <a:extraClrSchemeLst/>
   <a:extLst>
     <a:ext uri="{05A4C25C-085E-4340-85A3-A5531E510DB2}">
       <thm15:themeFamily xmlns:thm15="http://schemas.microsoft.com/office/thememl/2012/main" name="Office Theme" id="{62F939B6-93AF-4DB8-9C6B-D6C7DFDC589F}" vid="{4A3C46E8-61CC-4603-A589-7422A47A8E4A}"/>

--- a/ppt/面向对象编程.pptx
+++ b/ppt/面向对象编程.pptx
@@ -3357,13 +3357,13 @@
   <p:clrMapOvr>
     <a:masterClrMapping/>
   </p:clrMapOvr>
-  <mc:AlternateContent xmlns:mc="http://schemas.openxmlformats.org/markup-compatibility/2006">
-    <mc:Choice xmlns:p159="http://schemas.microsoft.com/office/powerpoint/2015/09/main" Requires="p159">
+  <mc:AlternateContent xmlns:mc="http://schemas.openxmlformats.org/markup-compatibility/2006" xmlns:p159="http://schemas.microsoft.com/office/powerpoint/2015/09/main">
+    <mc:Choice Requires="p159">
       <p:transition xmlns:p14="http://schemas.microsoft.com/office/powerpoint/2010/main" spd="slow" p14:dur="2000">
         <p159:morph option="byObject"/>
       </p:transition>
     </mc:Choice>
-    <mc:Fallback>
+    <mc:Fallback xmlns="">
       <p:transition spd="slow">
         <p:fade/>
       </p:transition>
@@ -4254,13 +4254,13 @@
   <p:clrMapOvr>
     <a:masterClrMapping/>
   </p:clrMapOvr>
-  <mc:AlternateContent xmlns:mc="http://schemas.openxmlformats.org/markup-compatibility/2006">
-    <mc:Choice xmlns:p159="http://schemas.microsoft.com/office/powerpoint/2015/09/main" Requires="p159">
+  <mc:AlternateContent xmlns:mc="http://schemas.openxmlformats.org/markup-compatibility/2006" xmlns:p159="http://schemas.microsoft.com/office/powerpoint/2015/09/main">
+    <mc:Choice Requires="p159">
       <p:transition xmlns:p14="http://schemas.microsoft.com/office/powerpoint/2010/main" spd="slow" p14:dur="2000">
         <p159:morph option="byObject"/>
       </p:transition>
     </mc:Choice>
-    <mc:Fallback>
+    <mc:Fallback xmlns="">
       <p:transition spd="slow">
         <p:fade/>
       </p:transition>
@@ -5151,13 +5151,13 @@
   <p:clrMapOvr>
     <a:masterClrMapping/>
   </p:clrMapOvr>
-  <mc:AlternateContent xmlns:mc="http://schemas.openxmlformats.org/markup-compatibility/2006">
-    <mc:Choice xmlns:p159="http://schemas.microsoft.com/office/powerpoint/2015/09/main" Requires="p159">
+  <mc:AlternateContent xmlns:mc="http://schemas.openxmlformats.org/markup-compatibility/2006" xmlns:p159="http://schemas.microsoft.com/office/powerpoint/2015/09/main">
+    <mc:Choice Requires="p159">
       <p:transition xmlns:p14="http://schemas.microsoft.com/office/powerpoint/2010/main" spd="slow" p14:dur="2000">
         <p159:morph option="byObject"/>
       </p:transition>
     </mc:Choice>
-    <mc:Fallback>
+    <mc:Fallback xmlns="">
       <p:transition spd="slow">
         <p:fade/>
       </p:transition>
@@ -6124,13 +6124,13 @@
   <p:clrMapOvr>
     <a:masterClrMapping/>
   </p:clrMapOvr>
-  <mc:AlternateContent xmlns:mc="http://schemas.openxmlformats.org/markup-compatibility/2006">
-    <mc:Choice xmlns:p159="http://schemas.microsoft.com/office/powerpoint/2015/09/main" Requires="p159">
+  <mc:AlternateContent xmlns:mc="http://schemas.openxmlformats.org/markup-compatibility/2006" xmlns:p159="http://schemas.microsoft.com/office/powerpoint/2015/09/main">
+    <mc:Choice Requires="p159">
       <p:transition xmlns:p14="http://schemas.microsoft.com/office/powerpoint/2010/main" spd="slow" p14:dur="2000">
         <p159:morph option="byObject"/>
       </p:transition>
     </mc:Choice>
-    <mc:Fallback>
+    <mc:Fallback xmlns="">
       <p:transition spd="slow">
         <p:fade/>
       </p:transition>
@@ -6790,7 +6790,7 @@
         </p:nvSpPr>
         <p:spPr>
           <a:xfrm>
-            <a:off x="6552462" y="134672"/>
+            <a:off x="6400902" y="187351"/>
             <a:ext cx="2700242" cy="748703"/>
           </a:xfrm>
           <a:prstGeom prst="accentBorderCallout1">
@@ -7065,13 +7065,13 @@
   <p:clrMapOvr>
     <a:masterClrMapping/>
   </p:clrMapOvr>
-  <mc:AlternateContent xmlns:mc="http://schemas.openxmlformats.org/markup-compatibility/2006">
-    <mc:Choice xmlns:p159="http://schemas.microsoft.com/office/powerpoint/2015/09/main" Requires="p159">
+  <mc:AlternateContent xmlns:mc="http://schemas.openxmlformats.org/markup-compatibility/2006" xmlns:p159="http://schemas.microsoft.com/office/powerpoint/2015/09/main">
+    <mc:Choice Requires="p159">
       <p:transition xmlns:p14="http://schemas.microsoft.com/office/powerpoint/2010/main" spd="slow" p14:dur="2000">
         <p159:morph option="byObject"/>
       </p:transition>
     </mc:Choice>
-    <mc:Fallback>
+    <mc:Fallback xmlns="">
       <p:transition spd="slow">
         <p:fade/>
       </p:transition>
@@ -7348,13 +7348,13 @@
   <p:clrMapOvr>
     <a:masterClrMapping/>
   </p:clrMapOvr>
-  <mc:AlternateContent xmlns:mc="http://schemas.openxmlformats.org/markup-compatibility/2006">
-    <mc:Choice xmlns:p159="http://schemas.microsoft.com/office/powerpoint/2015/09/main" Requires="p159">
+  <mc:AlternateContent xmlns:mc="http://schemas.openxmlformats.org/markup-compatibility/2006" xmlns:p159="http://schemas.microsoft.com/office/powerpoint/2015/09/main">
+    <mc:Choice Requires="p159">
       <p:transition xmlns:p14="http://schemas.microsoft.com/office/powerpoint/2010/main" spd="slow" p14:dur="2000">
         <p159:morph option="byObject"/>
       </p:transition>
     </mc:Choice>
-    <mc:Fallback>
+    <mc:Fallback xmlns="">
       <p:transition spd="slow">
         <p:fade/>
       </p:transition>
@@ -7420,13 +7420,13 @@
   <p:clrMapOvr>
     <a:masterClrMapping/>
   </p:clrMapOvr>
-  <mc:AlternateContent xmlns:mc="http://schemas.openxmlformats.org/markup-compatibility/2006">
-    <mc:Choice xmlns:p159="http://schemas.microsoft.com/office/powerpoint/2015/09/main" Requires="p159">
+  <mc:AlternateContent xmlns:mc="http://schemas.openxmlformats.org/markup-compatibility/2006" xmlns:p159="http://schemas.microsoft.com/office/powerpoint/2015/09/main">
+    <mc:Choice Requires="p159">
       <p:transition xmlns:p14="http://schemas.microsoft.com/office/powerpoint/2010/main" spd="slow" p14:dur="2000">
         <p159:morph option="byObject"/>
       </p:transition>
     </mc:Choice>
-    <mc:Fallback>
+    <mc:Fallback xmlns="">
       <p:transition spd="slow">
         <p:fade/>
       </p:transition>
@@ -7987,13 +7987,13 @@
   <p:clrMapOvr>
     <a:masterClrMapping/>
   </p:clrMapOvr>
-  <mc:AlternateContent xmlns:mc="http://schemas.openxmlformats.org/markup-compatibility/2006">
-    <mc:Choice xmlns:p159="http://schemas.microsoft.com/office/powerpoint/2015/09/main" Requires="p159">
+  <mc:AlternateContent xmlns:mc="http://schemas.openxmlformats.org/markup-compatibility/2006" xmlns:p159="http://schemas.microsoft.com/office/powerpoint/2015/09/main">
+    <mc:Choice Requires="p159">
       <p:transition xmlns:p14="http://schemas.microsoft.com/office/powerpoint/2010/main" spd="slow" p14:dur="2000">
         <p159:morph option="byObject"/>
       </p:transition>
     </mc:Choice>
-    <mc:Fallback>
+    <mc:Fallback xmlns="">
       <p:transition spd="slow">
         <p:fade/>
       </p:transition>
@@ -8131,13 +8131,13 @@
   <p:clrMapOvr>
     <a:masterClrMapping/>
   </p:clrMapOvr>
-  <mc:AlternateContent xmlns:mc="http://schemas.openxmlformats.org/markup-compatibility/2006">
-    <mc:Choice xmlns:p159="http://schemas.microsoft.com/office/powerpoint/2015/09/main" Requires="p159">
+  <mc:AlternateContent xmlns:mc="http://schemas.openxmlformats.org/markup-compatibility/2006" xmlns:p159="http://schemas.microsoft.com/office/powerpoint/2015/09/main">
+    <mc:Choice Requires="p159">
       <p:transition xmlns:p14="http://schemas.microsoft.com/office/powerpoint/2010/main" spd="slow" p14:dur="2000">
         <p159:morph option="byObject"/>
       </p:transition>
     </mc:Choice>
-    <mc:Fallback>
+    <mc:Fallback xmlns="">
       <p:transition spd="slow">
         <p:fade/>
       </p:transition>
@@ -8645,13 +8645,13 @@
   <p:clrMapOvr>
     <a:masterClrMapping/>
   </p:clrMapOvr>
-  <mc:AlternateContent xmlns:mc="http://schemas.openxmlformats.org/markup-compatibility/2006">
-    <mc:Choice xmlns:p159="http://schemas.microsoft.com/office/powerpoint/2015/09/main" Requires="p159">
+  <mc:AlternateContent xmlns:mc="http://schemas.openxmlformats.org/markup-compatibility/2006" xmlns:p159="http://schemas.microsoft.com/office/powerpoint/2015/09/main">
+    <mc:Choice Requires="p159">
       <p:transition xmlns:p14="http://schemas.microsoft.com/office/powerpoint/2010/main" spd="slow" p14:dur="2000">
         <p159:morph option="byObject"/>
       </p:transition>
     </mc:Choice>
-    <mc:Fallback>
+    <mc:Fallback xmlns="">
       <p:transition spd="slow">
         <p:fade/>
       </p:transition>
@@ -9702,13 +9702,13 @@
   <p:clrMapOvr>
     <a:masterClrMapping/>
   </p:clrMapOvr>
-  <mc:AlternateContent xmlns:mc="http://schemas.openxmlformats.org/markup-compatibility/2006">
-    <mc:Choice xmlns:p159="http://schemas.microsoft.com/office/powerpoint/2015/09/main" Requires="p159">
+  <mc:AlternateContent xmlns:mc="http://schemas.openxmlformats.org/markup-compatibility/2006" xmlns:p159="http://schemas.microsoft.com/office/powerpoint/2015/09/main">
+    <mc:Choice Requires="p159">
       <p:transition xmlns:p14="http://schemas.microsoft.com/office/powerpoint/2010/main" spd="slow" p14:dur="2000">
         <p159:morph option="byObject"/>
       </p:transition>
     </mc:Choice>
-    <mc:Fallback>
+    <mc:Fallback xmlns="">
       <p:transition spd="slow">
         <p:fade/>
       </p:transition>
@@ -10376,13 +10376,13 @@
   <p:clrMapOvr>
     <a:masterClrMapping/>
   </p:clrMapOvr>
-  <mc:AlternateContent xmlns:mc="http://schemas.openxmlformats.org/markup-compatibility/2006">
-    <mc:Choice xmlns:p159="http://schemas.microsoft.com/office/powerpoint/2015/09/main" Requires="p159">
+  <mc:AlternateContent xmlns:mc="http://schemas.openxmlformats.org/markup-compatibility/2006" xmlns:p159="http://schemas.microsoft.com/office/powerpoint/2015/09/main">
+    <mc:Choice Requires="p159">
       <p:transition xmlns:p14="http://schemas.microsoft.com/office/powerpoint/2010/main" spd="slow" p14:dur="2000">
         <p159:morph option="byObject"/>
       </p:transition>
     </mc:Choice>
-    <mc:Fallback>
+    <mc:Fallback xmlns="">
       <p:transition spd="slow">
         <p:fade/>
       </p:transition>
@@ -10439,13 +10439,13 @@
   <p:clrMapOvr>
     <a:masterClrMapping/>
   </p:clrMapOvr>
-  <mc:AlternateContent xmlns:mc="http://schemas.openxmlformats.org/markup-compatibility/2006">
-    <mc:Choice xmlns:p159="http://schemas.microsoft.com/office/powerpoint/2015/09/main" Requires="p159">
+  <mc:AlternateContent xmlns:mc="http://schemas.openxmlformats.org/markup-compatibility/2006" xmlns:p159="http://schemas.microsoft.com/office/powerpoint/2015/09/main">
+    <mc:Choice Requires="p159">
       <p:transition xmlns:p14="http://schemas.microsoft.com/office/powerpoint/2010/main" spd="slow" p14:dur="2000">
         <p159:morph option="byObject"/>
       </p:transition>
     </mc:Choice>
-    <mc:Fallback>
+    <mc:Fallback xmlns="">
       <p:transition spd="slow">
         <p:fade/>
       </p:transition>
@@ -11153,13 +11153,13 @@
   <p:clrMapOvr>
     <a:masterClrMapping/>
   </p:clrMapOvr>
-  <mc:AlternateContent xmlns:mc="http://schemas.openxmlformats.org/markup-compatibility/2006">
-    <mc:Choice xmlns:p159="http://schemas.microsoft.com/office/powerpoint/2015/09/main" Requires="p159">
+  <mc:AlternateContent xmlns:mc="http://schemas.openxmlformats.org/markup-compatibility/2006" xmlns:p159="http://schemas.microsoft.com/office/powerpoint/2015/09/main">
+    <mc:Choice Requires="p159">
       <p:transition xmlns:p14="http://schemas.microsoft.com/office/powerpoint/2010/main" spd="slow" p14:dur="2000">
         <p159:morph option="byObject"/>
       </p:transition>
     </mc:Choice>
-    <mc:Fallback>
+    <mc:Fallback xmlns="">
       <p:transition spd="slow">
         <p:fade/>
       </p:transition>
@@ -11987,13 +11987,13 @@
   <p:clrMapOvr>
     <a:masterClrMapping/>
   </p:clrMapOvr>
-  <mc:AlternateContent xmlns:mc="http://schemas.openxmlformats.org/markup-compatibility/2006">
-    <mc:Choice xmlns:p159="http://schemas.microsoft.com/office/powerpoint/2015/09/main" Requires="p159">
+  <mc:AlternateContent xmlns:mc="http://schemas.openxmlformats.org/markup-compatibility/2006" xmlns:p159="http://schemas.microsoft.com/office/powerpoint/2015/09/main">
+    <mc:Choice Requires="p159">
       <p:transition xmlns:p14="http://schemas.microsoft.com/office/powerpoint/2010/main" spd="slow" p14:dur="2000">
         <p159:morph option="byObject"/>
       </p:transition>
     </mc:Choice>
-    <mc:Fallback>
+    <mc:Fallback xmlns="">
       <p:transition spd="slow">
         <p:fade/>
       </p:transition>
@@ -12738,13 +12738,13 @@
   <p:clrMapOvr>
     <a:masterClrMapping/>
   </p:clrMapOvr>
-  <mc:AlternateContent xmlns:mc="http://schemas.openxmlformats.org/markup-compatibility/2006">
-    <mc:Choice xmlns:p159="http://schemas.microsoft.com/office/powerpoint/2015/09/main" Requires="p159">
+  <mc:AlternateContent xmlns:mc="http://schemas.openxmlformats.org/markup-compatibility/2006" xmlns:p159="http://schemas.microsoft.com/office/powerpoint/2015/09/main">
+    <mc:Choice Requires="p159">
       <p:transition xmlns:p14="http://schemas.microsoft.com/office/powerpoint/2010/main" spd="slow" p14:dur="2000">
         <p159:morph option="byObject"/>
       </p:transition>
     </mc:Choice>
-    <mc:Fallback>
+    <mc:Fallback xmlns="">
       <p:transition spd="slow">
         <p:fade/>
       </p:transition>
